--- a/v2/slide.pptx
+++ b/v2/slide.pptx
@@ -7,6 +7,7 @@
   <p:sldIdLst>
     <p:sldId id="256" r:id="rId3"/>
     <p:sldId id="257" r:id="rId4"/>
+    <p:sldId id="258" r:id="rId5"/>
   </p:sldIdLst>
   <p:sldSz cx="9144000" cy="6858000" type="screen4x3"/>
   <p:notesSz cx="6858000" cy="9144000"/>
@@ -162,7 +163,7 @@
   </p:cSld>
   <p:clrMap bg1="lt1" tx1="dk1" bg2="lt2" tx2="dk2" accent1="accent1" accent2="accent2" accent3="accent3" accent4="accent4" accent5="accent5" accent6="accent6" hlink="hlink" folHlink="folHlink"/>
   <p:sldLayoutIdLst>
-    <p:sldLayoutId id="2352549270" r:id="rId1"/>
+    <p:sldLayoutId id="2352839961" r:id="rId1"/>
   </p:sldLayoutIdLst>
   <p:txStyles>
     <p:titleStyle>
@@ -211,9 +212,9 @@
       <p:grpSpPr>
         <a:xfrm>
           <a:off x="95250" y="95250"/>
-          <a:ext cx="7715250" cy="5629275"/>
+          <a:ext cx="7715250" cy="5724525"/>
           <a:chOff x="95250" y="95250"/>
-          <a:chExt cx="7715250" cy="5629275"/>
+          <a:chExt cx="7715250" cy="5724525"/>
         </a:xfrm>
       </p:grpSpPr>
       <p:pic>
@@ -584,7 +585,7 @@
           <p:nvPr/>
         </p:nvGraphicFramePr>
         <p:xfrm>
-          <a:off x="95250" y="4057650"/>
+          <a:off x="95250" y="4152900"/>
           <a:ext cx="7620000" cy="0"/>
         </p:xfrm>
         <a:graphic>
@@ -628,7 +629,7 @@
                       </a:r>
                     </a:p>
                   </a:txBody>
-                  <a:tcPr marL="95250" marR="0" marT="0" marB="0">
+                  <a:tcPr marL="95250" marR="0" marT="0" marB="47625">
                     <a:lnL w="12700" cap="flat" cmpd="sng" algn="ctr">
                       <a:solidFill>
                         <a:srgbClr val="000000">
@@ -721,7 +722,7 @@
                       </a:r>
                     </a:p>
                   </a:txBody>
-                  <a:tcPr marL="95250" marR="0" marT="0" marB="0">
+                  <a:tcPr marL="95250" marR="0" marT="0" marB="47625">
                     <a:lnL w="12700" cap="flat" cmpd="sng" algn="ctr">
                       <a:solidFill>
                         <a:srgbClr val="000000">
@@ -814,7 +815,7 @@
                       </a:r>
                     </a:p>
                   </a:txBody>
-                  <a:tcPr marL="95250" marR="0" marT="0" marB="0">
+                  <a:tcPr marL="95250" marR="0" marT="0" marB="47625">
                     <a:lnL w="12700" cap="flat" cmpd="sng" algn="ctr">
                       <a:solidFill>
                         <a:srgbClr val="000000">
@@ -909,7 +910,7 @@
                       </a:r>
                     </a:p>
                   </a:txBody>
-                  <a:tcPr marL="95250" marR="0" marT="0" marB="0">
+                  <a:tcPr marL="95250" marR="0" marT="0" marB="47625">
                     <a:lnL w="12700" cap="flat" cmpd="sng" algn="ctr">
                       <a:solidFill>
                         <a:srgbClr val="000000">
@@ -1002,7 +1003,7 @@
                       </a:r>
                     </a:p>
                   </a:txBody>
-                  <a:tcPr marL="95250" marR="0" marT="0" marB="0">
+                  <a:tcPr marL="95250" marR="0" marT="0" marB="47625">
                     <a:lnL w="12700" cap="flat" cmpd="sng" algn="ctr">
                       <a:solidFill>
                         <a:srgbClr val="000000">
@@ -1095,7 +1096,7 @@
                       </a:r>
                     </a:p>
                   </a:txBody>
-                  <a:tcPr marL="95250" marR="0" marT="0" marB="0">
+                  <a:tcPr marL="95250" marR="0" marT="0" marB="47625">
                     <a:lnL w="12700" cap="flat" cmpd="sng" algn="ctr">
                       <a:solidFill>
                         <a:srgbClr val="000000">
@@ -1190,7 +1191,7 @@
                       </a:r>
                     </a:p>
                   </a:txBody>
-                  <a:tcPr marL="95250" marR="0" marT="0" marB="0">
+                  <a:tcPr marL="95250" marR="0" marT="0" marB="47625">
                     <a:lnL w="12700" cap="flat" cmpd="sng" algn="ctr">
                       <a:solidFill>
                         <a:srgbClr val="000000">
@@ -1283,7 +1284,7 @@
                       </a:r>
                     </a:p>
                   </a:txBody>
-                  <a:tcPr marL="95250" marR="0" marT="0" marB="0">
+                  <a:tcPr marL="95250" marR="0" marT="0" marB="47625">
                     <a:lnL w="12700" cap="flat" cmpd="sng" algn="ctr">
                       <a:solidFill>
                         <a:srgbClr val="000000">
@@ -1376,7 +1377,7 @@
                       </a:r>
                     </a:p>
                   </a:txBody>
-                  <a:tcPr marL="95250" marR="0" marT="0" marB="0">
+                  <a:tcPr marL="95250" marR="0" marT="0" marB="47625">
                     <a:lnL w="12700" cap="flat" cmpd="sng" algn="ctr">
                       <a:solidFill>
                         <a:srgbClr val="000000">
@@ -1451,7 +1452,7 @@
         </p:nvSpPr>
         <p:spPr>
           <a:xfrm>
-            <a:off x="95250" y="5248275"/>
+            <a:off x="95250" y="5343525"/>
             <a:ext cx="7620000" cy="381000"/>
           </a:xfrm>
           <a:prstGeom prst="rect">
@@ -1510,9 +1511,9 @@
       <p:grpSpPr>
         <a:xfrm>
           <a:off x="95250" y="47625"/>
-          <a:ext cx="7715250" cy="2143125"/>
+          <a:ext cx="7715250" cy="6381750"/>
           <a:chOff x="95250" y="47625"/>
-          <a:chExt cx="7715250" cy="2143125"/>
+          <a:chExt cx="7715250" cy="6381750"/>
         </a:xfrm>
       </p:grpSpPr>
       <p:sp>
@@ -1844,6 +1845,2598 @@
           </a:p>
         </p:txBody>
       </p:sp>
+      <p:graphicFrame>
+        <p:nvGraphicFramePr>
+          <p:cNvPr id="8" name="" descr=""/>
+          <p:cNvGraphicFramePr>
+            <a:graphicFrameLocks noGrp="1"/>
+          </p:cNvGraphicFramePr>
+          <p:nvPr/>
+        </p:nvGraphicFramePr>
+        <p:xfrm>
+          <a:off x="95250" y="2286000"/>
+          <a:ext cx="7620000" cy="0"/>
+        </p:xfrm>
+        <a:graphic>
+          <a:graphicData uri="http://schemas.openxmlformats.org/drawingml/2006/table">
+            <a:tbl>
+              <a:tblPr firstRow="1" bandRow="1"/>
+              <a:tblGrid>
+                <a:gridCol w="2540000"/>
+                <a:gridCol w="2540000"/>
+                <a:gridCol w="2540000"/>
+              </a:tblGrid>
+              <a:tr h="361950">
+                <a:tc>
+                  <a:txBody>
+                    <a:bodyPr wrap="square" rtlCol="0">
+                      <a:spAutoFit/>
+                    </a:bodyPr>
+                    <a:lstStyle/>
+                    <a:p>
+                      <a:pPr algn="l" rtl="0" fontAlgn="base" marL="95250" marR="0" indent="0" lvl="0">
+                        <a:lnSpc>
+                          <a:spcPct val="100000"/>
+                        </a:lnSpc>
+                        <a:spcBef>
+                          <a:spcPts val="0"/>
+                        </a:spcBef>
+                        <a:spcAft>
+                          <a:spcPts val="0"/>
+                        </a:spcAft>
+                      </a:pPr>
+                      <a:r>
+                        <a:rPr lang="en-US" b="1" sz="1200" spc="0" u="none">
+                          <a:solidFill>
+                            <a:srgbClr val="000000">
+                              <a:alpha val="100000"/>
+                            </a:srgbClr>
+                          </a:solidFill>
+                          <a:latin typeface="Calibri"/>
+                        </a:rPr>
+                        <a:t><![CDATA[Taxa Livre de Risco]]></a:t>
+                      </a:r>
+                      <a:br/>
+                      <a:r>
+                        <a:rPr lang="en-US" b="1" sz="1400" spc="0" u="none">
+                          <a:solidFill>
+                            <a:srgbClr val="47008a">
+                              <a:alpha val="100000"/>
+                            </a:srgbClr>
+                          </a:solidFill>
+                          <a:latin typeface="Calibri"/>
+                        </a:rPr>
+                        <a:t><![CDATA[12.56%]]></a:t>
+                      </a:r>
+                    </a:p>
+                  </a:txBody>
+                  <a:tcPr marL="95250" marR="0" marT="0" marB="47625">
+                    <a:lnL w="12700" cap="flat" cmpd="sng" algn="ctr">
+                      <a:solidFill>
+                        <a:srgbClr val="000000">
+                          <a:alpha val="100000"/>
+                        </a:srgbClr>
+                      </a:solidFill>
+                      <a:prstDash val="solid"/>
+                      <a:round/>
+                      <a:headEnd type="none" w="med" len="med"/>
+                      <a:tailEnd type="none" w="med" len="med"/>
+                    </a:lnL>
+                    <a:lnR w="12700" cap="flat" cmpd="sng" algn="ctr">
+                      <a:solidFill>
+                        <a:srgbClr val="000000">
+                          <a:alpha val="100000"/>
+                        </a:srgbClr>
+                      </a:solidFill>
+                      <a:prstDash val="solid"/>
+                      <a:round/>
+                      <a:headEnd type="none" w="med" len="med"/>
+                      <a:tailEnd type="none" w="med" len="med"/>
+                    </a:lnR>
+                    <a:lnT w="12700" cap="flat" cmpd="sng" algn="ctr">
+                      <a:solidFill>
+                        <a:srgbClr val="000000">
+                          <a:alpha val="100000"/>
+                        </a:srgbClr>
+                      </a:solidFill>
+                      <a:prstDash val="solid"/>
+                      <a:round/>
+                      <a:headEnd type="none" w="med" len="med"/>
+                      <a:tailEnd type="none" w="med" len="med"/>
+                    </a:lnT>
+                    <a:lnB w="12700" cap="flat" cmpd="sng" algn="ctr">
+                      <a:solidFill>
+                        <a:srgbClr val="000000">
+                          <a:alpha val="100000"/>
+                        </a:srgbClr>
+                      </a:solidFill>
+                      <a:prstDash val="solid"/>
+                      <a:round/>
+                      <a:headEnd type="none" w="med" len="med"/>
+                      <a:tailEnd type="none" w="med" len="med"/>
+                    </a:lnB>
+                    <a:lnTlToBr w="12700" cap="flat" cmpd="sng" algn="ctr">
+                      <a:noFill/>
+                      <a:prstDash val="solid"/>
+                      <a:round/>
+                      <a:headEnd type="none" w="med" len="med"/>
+                      <a:tailEnd type="none" w="med" len="med"/>
+                    </a:lnTlToBr>
+                    <a:lnBlToTr w="12700" cap="flat" cmpd="sng" algn="ctr">
+                      <a:noFill/>
+                      <a:prstDash val="solid"/>
+                      <a:round/>
+                      <a:headEnd type="none" w="med" len="med"/>
+                      <a:tailEnd type="none" w="med" len="med"/>
+                    </a:lnBlToTr>
+                    <a:noFill/>
+                  </a:tcPr>
+                </a:tc>
+                <a:tc>
+                  <a:txBody>
+                    <a:bodyPr wrap="square" rtlCol="0">
+                      <a:spAutoFit/>
+                    </a:bodyPr>
+                    <a:lstStyle/>
+                    <a:p>
+                      <a:pPr algn="l" rtl="0" fontAlgn="base" marL="95250" marR="0" indent="0" lvl="0">
+                        <a:lnSpc>
+                          <a:spcPct val="100000"/>
+                        </a:lnSpc>
+                        <a:spcBef>
+                          <a:spcPts val="0"/>
+                        </a:spcBef>
+                        <a:spcAft>
+                          <a:spcPts val="0"/>
+                        </a:spcAft>
+                      </a:pPr>
+                      <a:r>
+                        <a:rPr lang="en-US" b="1" sz="1200" spc="0" u="none">
+                          <a:solidFill>
+                            <a:srgbClr val="000000">
+                              <a:alpha val="100000"/>
+                            </a:srgbClr>
+                          </a:solidFill>
+                          <a:latin typeface="Calibri"/>
+                        </a:rPr>
+                        <a:t><![CDATA[Prêmio de Risco de Capital Próprio]]></a:t>
+                      </a:r>
+                      <a:br/>
+                      <a:r>
+                        <a:rPr lang="en-US" b="1" sz="1400" spc="0" u="none">
+                          <a:solidFill>
+                            <a:srgbClr val="47008a">
+                              <a:alpha val="100000"/>
+                            </a:srgbClr>
+                          </a:solidFill>
+                          <a:latin typeface="Calibri"/>
+                        </a:rPr>
+                        <a:t><![CDATA[7.21%]]></a:t>
+                      </a:r>
+                    </a:p>
+                  </a:txBody>
+                  <a:tcPr marL="95250" marR="0" marT="0" marB="47625">
+                    <a:lnL w="12700" cap="flat" cmpd="sng" algn="ctr">
+                      <a:solidFill>
+                        <a:srgbClr val="000000">
+                          <a:alpha val="100000"/>
+                        </a:srgbClr>
+                      </a:solidFill>
+                      <a:prstDash val="solid"/>
+                      <a:round/>
+                      <a:headEnd type="none" w="med" len="med"/>
+                      <a:tailEnd type="none" w="med" len="med"/>
+                    </a:lnL>
+                    <a:lnR w="12700" cap="flat" cmpd="sng" algn="ctr">
+                      <a:solidFill>
+                        <a:srgbClr val="000000">
+                          <a:alpha val="100000"/>
+                        </a:srgbClr>
+                      </a:solidFill>
+                      <a:prstDash val="solid"/>
+                      <a:round/>
+                      <a:headEnd type="none" w="med" len="med"/>
+                      <a:tailEnd type="none" w="med" len="med"/>
+                    </a:lnR>
+                    <a:lnT w="12700" cap="flat" cmpd="sng" algn="ctr">
+                      <a:solidFill>
+                        <a:srgbClr val="000000">
+                          <a:alpha val="100000"/>
+                        </a:srgbClr>
+                      </a:solidFill>
+                      <a:prstDash val="solid"/>
+                      <a:round/>
+                      <a:headEnd type="none" w="med" len="med"/>
+                      <a:tailEnd type="none" w="med" len="med"/>
+                    </a:lnT>
+                    <a:lnB w="12700" cap="flat" cmpd="sng" algn="ctr">
+                      <a:solidFill>
+                        <a:srgbClr val="000000">
+                          <a:alpha val="100000"/>
+                        </a:srgbClr>
+                      </a:solidFill>
+                      <a:prstDash val="solid"/>
+                      <a:round/>
+                      <a:headEnd type="none" w="med" len="med"/>
+                      <a:tailEnd type="none" w="med" len="med"/>
+                    </a:lnB>
+                    <a:lnTlToBr w="12700" cap="flat" cmpd="sng" algn="ctr">
+                      <a:noFill/>
+                      <a:prstDash val="solid"/>
+                      <a:round/>
+                      <a:headEnd type="none" w="med" len="med"/>
+                      <a:tailEnd type="none" w="med" len="med"/>
+                    </a:lnTlToBr>
+                    <a:lnBlToTr w="12700" cap="flat" cmpd="sng" algn="ctr">
+                      <a:noFill/>
+                      <a:prstDash val="solid"/>
+                      <a:round/>
+                      <a:headEnd type="none" w="med" len="med"/>
+                      <a:tailEnd type="none" w="med" len="med"/>
+                    </a:lnBlToTr>
+                    <a:noFill/>
+                  </a:tcPr>
+                </a:tc>
+                <a:tc>
+                  <a:txBody>
+                    <a:bodyPr wrap="square" rtlCol="0">
+                      <a:spAutoFit/>
+                    </a:bodyPr>
+                    <a:lstStyle/>
+                    <a:p>
+                      <a:pPr algn="l" rtl="0" fontAlgn="base" marL="95250" marR="0" indent="0" lvl="0">
+                        <a:lnSpc>
+                          <a:spcPct val="100000"/>
+                        </a:lnSpc>
+                        <a:spcBef>
+                          <a:spcPts val="0"/>
+                        </a:spcBef>
+                        <a:spcAft>
+                          <a:spcPts val="0"/>
+                        </a:spcAft>
+                      </a:pPr>
+                      <a:r>
+                        <a:rPr lang="en-US" b="1" sz="1200" spc="0" u="none">
+                          <a:solidFill>
+                            <a:srgbClr val="000000">
+                              <a:alpha val="100000"/>
+                            </a:srgbClr>
+                          </a:solidFill>
+                          <a:latin typeface="Calibri"/>
+                        </a:rPr>
+                        <a:t><![CDATA[Desconto de Iliquidez]]></a:t>
+                      </a:r>
+                      <a:br/>
+                      <a:r>
+                        <a:rPr lang="en-US" b="1" sz="1400" spc="0" u="none">
+                          <a:solidFill>
+                            <a:srgbClr val="47008a">
+                              <a:alpha val="100000"/>
+                            </a:srgbClr>
+                          </a:solidFill>
+                          <a:latin typeface="Calibri"/>
+                        </a:rPr>
+                        <a:t><![CDATA[15%]]></a:t>
+                      </a:r>
+                    </a:p>
+                  </a:txBody>
+                  <a:tcPr marL="95250" marR="0" marT="0" marB="47625">
+                    <a:lnL w="12700" cap="flat" cmpd="sng" algn="ctr">
+                      <a:solidFill>
+                        <a:srgbClr val="000000">
+                          <a:alpha val="100000"/>
+                        </a:srgbClr>
+                      </a:solidFill>
+                      <a:prstDash val="solid"/>
+                      <a:round/>
+                      <a:headEnd type="none" w="med" len="med"/>
+                      <a:tailEnd type="none" w="med" len="med"/>
+                    </a:lnL>
+                    <a:lnR w="12700" cap="flat" cmpd="sng" algn="ctr">
+                      <a:solidFill>
+                        <a:srgbClr val="000000">
+                          <a:alpha val="100000"/>
+                        </a:srgbClr>
+                      </a:solidFill>
+                      <a:prstDash val="solid"/>
+                      <a:round/>
+                      <a:headEnd type="none" w="med" len="med"/>
+                      <a:tailEnd type="none" w="med" len="med"/>
+                    </a:lnR>
+                    <a:lnT w="12700" cap="flat" cmpd="sng" algn="ctr">
+                      <a:solidFill>
+                        <a:srgbClr val="000000">
+                          <a:alpha val="100000"/>
+                        </a:srgbClr>
+                      </a:solidFill>
+                      <a:prstDash val="solid"/>
+                      <a:round/>
+                      <a:headEnd type="none" w="med" len="med"/>
+                      <a:tailEnd type="none" w="med" len="med"/>
+                    </a:lnT>
+                    <a:lnB w="12700" cap="flat" cmpd="sng" algn="ctr">
+                      <a:solidFill>
+                        <a:srgbClr val="000000">
+                          <a:alpha val="100000"/>
+                        </a:srgbClr>
+                      </a:solidFill>
+                      <a:prstDash val="solid"/>
+                      <a:round/>
+                      <a:headEnd type="none" w="med" len="med"/>
+                      <a:tailEnd type="none" w="med" len="med"/>
+                    </a:lnB>
+                    <a:lnTlToBr w="12700" cap="flat" cmpd="sng" algn="ctr">
+                      <a:noFill/>
+                      <a:prstDash val="solid"/>
+                      <a:round/>
+                      <a:headEnd type="none" w="med" len="med"/>
+                      <a:tailEnd type="none" w="med" len="med"/>
+                    </a:lnTlToBr>
+                    <a:lnBlToTr w="12700" cap="flat" cmpd="sng" algn="ctr">
+                      <a:noFill/>
+                      <a:prstDash val="solid"/>
+                      <a:round/>
+                      <a:headEnd type="none" w="med" len="med"/>
+                      <a:tailEnd type="none" w="med" len="med"/>
+                    </a:lnBlToTr>
+                    <a:noFill/>
+                  </a:tcPr>
+                </a:tc>
+              </a:tr>
+              <a:tr h="361950">
+                <a:tc>
+                  <a:txBody>
+                    <a:bodyPr wrap="square" rtlCol="0">
+                      <a:spAutoFit/>
+                    </a:bodyPr>
+                    <a:lstStyle/>
+                    <a:p>
+                      <a:pPr algn="l" rtl="0" fontAlgn="base" marL="95250" marR="0" indent="0" lvl="0">
+                        <a:lnSpc>
+                          <a:spcPct val="100000"/>
+                        </a:lnSpc>
+                        <a:spcBef>
+                          <a:spcPts val="0"/>
+                        </a:spcBef>
+                        <a:spcAft>
+                          <a:spcPts val="0"/>
+                        </a:spcAft>
+                      </a:pPr>
+                      <a:r>
+                        <a:rPr lang="en-US" b="1" sz="1200" spc="0" u="none">
+                          <a:solidFill>
+                            <a:srgbClr val="000000">
+                              <a:alpha val="100000"/>
+                            </a:srgbClr>
+                          </a:solidFill>
+                          <a:latin typeface="Calibri"/>
+                        </a:rPr>
+                        <a:t><![CDATA[Risco País]]></a:t>
+                      </a:r>
+                      <a:br/>
+                      <a:r>
+                        <a:rPr lang="en-US" b="1" sz="1400" spc="0" u="none">
+                          <a:solidFill>
+                            <a:srgbClr val="47008a">
+                              <a:alpha val="100000"/>
+                            </a:srgbClr>
+                          </a:solidFill>
+                          <a:latin typeface="Calibri"/>
+                        </a:rPr>
+                        <a:t><![CDATA[2.97%]]></a:t>
+                      </a:r>
+                    </a:p>
+                  </a:txBody>
+                  <a:tcPr marL="95250" marR="0" marT="0" marB="47625">
+                    <a:lnL w="12700" cap="flat" cmpd="sng" algn="ctr">
+                      <a:solidFill>
+                        <a:srgbClr val="000000">
+                          <a:alpha val="100000"/>
+                        </a:srgbClr>
+                      </a:solidFill>
+                      <a:prstDash val="solid"/>
+                      <a:round/>
+                      <a:headEnd type="none" w="med" len="med"/>
+                      <a:tailEnd type="none" w="med" len="med"/>
+                    </a:lnL>
+                    <a:lnR w="12700" cap="flat" cmpd="sng" algn="ctr">
+                      <a:solidFill>
+                        <a:srgbClr val="000000">
+                          <a:alpha val="100000"/>
+                        </a:srgbClr>
+                      </a:solidFill>
+                      <a:prstDash val="solid"/>
+                      <a:round/>
+                      <a:headEnd type="none" w="med" len="med"/>
+                      <a:tailEnd type="none" w="med" len="med"/>
+                    </a:lnR>
+                    <a:lnT w="12700" cap="flat" cmpd="sng" algn="ctr">
+                      <a:solidFill>
+                        <a:srgbClr val="000000">
+                          <a:alpha val="100000"/>
+                        </a:srgbClr>
+                      </a:solidFill>
+                      <a:prstDash val="solid"/>
+                      <a:round/>
+                      <a:headEnd type="none" w="med" len="med"/>
+                      <a:tailEnd type="none" w="med" len="med"/>
+                    </a:lnT>
+                    <a:lnB w="12700" cap="flat" cmpd="sng" algn="ctr">
+                      <a:solidFill>
+                        <a:srgbClr val="000000">
+                          <a:alpha val="100000"/>
+                        </a:srgbClr>
+                      </a:solidFill>
+                      <a:prstDash val="solid"/>
+                      <a:round/>
+                      <a:headEnd type="none" w="med" len="med"/>
+                      <a:tailEnd type="none" w="med" len="med"/>
+                    </a:lnB>
+                    <a:lnTlToBr w="12700" cap="flat" cmpd="sng" algn="ctr">
+                      <a:noFill/>
+                      <a:prstDash val="solid"/>
+                      <a:round/>
+                      <a:headEnd type="none" w="med" len="med"/>
+                      <a:tailEnd type="none" w="med" len="med"/>
+                    </a:lnTlToBr>
+                    <a:lnBlToTr w="12700" cap="flat" cmpd="sng" algn="ctr">
+                      <a:noFill/>
+                      <a:prstDash val="solid"/>
+                      <a:round/>
+                      <a:headEnd type="none" w="med" len="med"/>
+                      <a:tailEnd type="none" w="med" len="med"/>
+                    </a:lnBlToTr>
+                    <a:noFill/>
+                  </a:tcPr>
+                </a:tc>
+                <a:tc>
+                  <a:txBody>
+                    <a:bodyPr wrap="square" rtlCol="0">
+                      <a:spAutoFit/>
+                    </a:bodyPr>
+                    <a:lstStyle/>
+                    <a:p>
+                      <a:pPr algn="l" rtl="0" fontAlgn="base" marL="95250" marR="0" indent="0" lvl="0">
+                        <a:lnSpc>
+                          <a:spcPct val="100000"/>
+                        </a:lnSpc>
+                        <a:spcBef>
+                          <a:spcPts val="0"/>
+                        </a:spcBef>
+                        <a:spcAft>
+                          <a:spcPts val="0"/>
+                        </a:spcAft>
+                      </a:pPr>
+                      <a:r>
+                        <a:rPr lang="en-US" b="1" sz="1200" spc="0" u="none">
+                          <a:solidFill>
+                            <a:srgbClr val="000000">
+                              <a:alpha val="100000"/>
+                            </a:srgbClr>
+                          </a:solidFill>
+                          <a:latin typeface="Calibri"/>
+                        </a:rPr>
+                        <a:t><![CDATA[Custo do Capital]]></a:t>
+                      </a:r>
+                      <a:br/>
+                      <a:r>
+                        <a:rPr lang="en-US" b="1" sz="1400" spc="0" u="none">
+                          <a:solidFill>
+                            <a:srgbClr val="47008a">
+                              <a:alpha val="100000"/>
+                            </a:srgbClr>
+                          </a:solidFill>
+                          <a:latin typeface="Calibri"/>
+                        </a:rPr>
+                        <a:t><![CDATA[19,28%]]></a:t>
+                      </a:r>
+                    </a:p>
+                  </a:txBody>
+                  <a:tcPr marL="95250" marR="0" marT="0" marB="47625">
+                    <a:lnL w="12700" cap="flat" cmpd="sng" algn="ctr">
+                      <a:solidFill>
+                        <a:srgbClr val="000000">
+                          <a:alpha val="100000"/>
+                        </a:srgbClr>
+                      </a:solidFill>
+                      <a:prstDash val="solid"/>
+                      <a:round/>
+                      <a:headEnd type="none" w="med" len="med"/>
+                      <a:tailEnd type="none" w="med" len="med"/>
+                    </a:lnL>
+                    <a:lnR w="12700" cap="flat" cmpd="sng" algn="ctr">
+                      <a:solidFill>
+                        <a:srgbClr val="000000">
+                          <a:alpha val="100000"/>
+                        </a:srgbClr>
+                      </a:solidFill>
+                      <a:prstDash val="solid"/>
+                      <a:round/>
+                      <a:headEnd type="none" w="med" len="med"/>
+                      <a:tailEnd type="none" w="med" len="med"/>
+                    </a:lnR>
+                    <a:lnT w="12700" cap="flat" cmpd="sng" algn="ctr">
+                      <a:solidFill>
+                        <a:srgbClr val="000000">
+                          <a:alpha val="100000"/>
+                        </a:srgbClr>
+                      </a:solidFill>
+                      <a:prstDash val="solid"/>
+                      <a:round/>
+                      <a:headEnd type="none" w="med" len="med"/>
+                      <a:tailEnd type="none" w="med" len="med"/>
+                    </a:lnT>
+                    <a:lnB w="12700" cap="flat" cmpd="sng" algn="ctr">
+                      <a:solidFill>
+                        <a:srgbClr val="000000">
+                          <a:alpha val="100000"/>
+                        </a:srgbClr>
+                      </a:solidFill>
+                      <a:prstDash val="solid"/>
+                      <a:round/>
+                      <a:headEnd type="none" w="med" len="med"/>
+                      <a:tailEnd type="none" w="med" len="med"/>
+                    </a:lnB>
+                    <a:lnTlToBr w="12700" cap="flat" cmpd="sng" algn="ctr">
+                      <a:noFill/>
+                      <a:prstDash val="solid"/>
+                      <a:round/>
+                      <a:headEnd type="none" w="med" len="med"/>
+                      <a:tailEnd type="none" w="med" len="med"/>
+                    </a:lnTlToBr>
+                    <a:lnBlToTr w="12700" cap="flat" cmpd="sng" algn="ctr">
+                      <a:noFill/>
+                      <a:prstDash val="solid"/>
+                      <a:round/>
+                      <a:headEnd type="none" w="med" len="med"/>
+                      <a:tailEnd type="none" w="med" len="med"/>
+                    </a:lnBlToTr>
+                    <a:noFill/>
+                  </a:tcPr>
+                </a:tc>
+                <a:tc>
+                  <a:txBody>
+                    <a:bodyPr wrap="square" rtlCol="0">
+                      <a:spAutoFit/>
+                    </a:bodyPr>
+                    <a:lstStyle/>
+                    <a:p>
+                      <a:pPr algn="l" rtl="0" fontAlgn="base" marL="95250" marR="0" indent="0" lvl="0">
+                        <a:lnSpc>
+                          <a:spcPct val="100000"/>
+                        </a:lnSpc>
+                        <a:spcBef>
+                          <a:spcPts val="0"/>
+                        </a:spcBef>
+                        <a:spcAft>
+                          <a:spcPts val="0"/>
+                        </a:spcAft>
+                      </a:pPr>
+                      <a:r>
+                        <a:rPr lang="en-US" b="1" sz="1200" spc="0" u="none">
+                          <a:solidFill>
+                            <a:srgbClr val="000000">
+                              <a:alpha val="100000"/>
+                            </a:srgbClr>
+                          </a:solidFill>
+                          <a:latin typeface="Calibri"/>
+                        </a:rPr>
+                        <a:t><![CDATA[Custo da Dívida]]></a:t>
+                      </a:r>
+                      <a:br/>
+                      <a:r>
+                        <a:rPr lang="en-US" b="1" sz="1400" spc="0" u="none">
+                          <a:solidFill>
+                            <a:srgbClr val="47008a">
+                              <a:alpha val="100000"/>
+                            </a:srgbClr>
+                          </a:solidFill>
+                          <a:latin typeface="Calibri"/>
+                        </a:rPr>
+                        <a:t><![CDATA[15,88%]]></a:t>
+                      </a:r>
+                    </a:p>
+                  </a:txBody>
+                  <a:tcPr marL="95250" marR="0" marT="0" marB="47625">
+                    <a:lnL w="12700" cap="flat" cmpd="sng" algn="ctr">
+                      <a:solidFill>
+                        <a:srgbClr val="000000">
+                          <a:alpha val="100000"/>
+                        </a:srgbClr>
+                      </a:solidFill>
+                      <a:prstDash val="solid"/>
+                      <a:round/>
+                      <a:headEnd type="none" w="med" len="med"/>
+                      <a:tailEnd type="none" w="med" len="med"/>
+                    </a:lnL>
+                    <a:lnR w="12700" cap="flat" cmpd="sng" algn="ctr">
+                      <a:solidFill>
+                        <a:srgbClr val="000000">
+                          <a:alpha val="100000"/>
+                        </a:srgbClr>
+                      </a:solidFill>
+                      <a:prstDash val="solid"/>
+                      <a:round/>
+                      <a:headEnd type="none" w="med" len="med"/>
+                      <a:tailEnd type="none" w="med" len="med"/>
+                    </a:lnR>
+                    <a:lnT w="12700" cap="flat" cmpd="sng" algn="ctr">
+                      <a:solidFill>
+                        <a:srgbClr val="000000">
+                          <a:alpha val="100000"/>
+                        </a:srgbClr>
+                      </a:solidFill>
+                      <a:prstDash val="solid"/>
+                      <a:round/>
+                      <a:headEnd type="none" w="med" len="med"/>
+                      <a:tailEnd type="none" w="med" len="med"/>
+                    </a:lnT>
+                    <a:lnB w="12700" cap="flat" cmpd="sng" algn="ctr">
+                      <a:solidFill>
+                        <a:srgbClr val="000000">
+                          <a:alpha val="100000"/>
+                        </a:srgbClr>
+                      </a:solidFill>
+                      <a:prstDash val="solid"/>
+                      <a:round/>
+                      <a:headEnd type="none" w="med" len="med"/>
+                      <a:tailEnd type="none" w="med" len="med"/>
+                    </a:lnB>
+                    <a:lnTlToBr w="12700" cap="flat" cmpd="sng" algn="ctr">
+                      <a:noFill/>
+                      <a:prstDash val="solid"/>
+                      <a:round/>
+                      <a:headEnd type="none" w="med" len="med"/>
+                      <a:tailEnd type="none" w="med" len="med"/>
+                    </a:lnTlToBr>
+                    <a:lnBlToTr w="12700" cap="flat" cmpd="sng" algn="ctr">
+                      <a:noFill/>
+                      <a:prstDash val="solid"/>
+                      <a:round/>
+                      <a:headEnd type="none" w="med" len="med"/>
+                      <a:tailEnd type="none" w="med" len="med"/>
+                    </a:lnBlToTr>
+                    <a:noFill/>
+                  </a:tcPr>
+                </a:tc>
+              </a:tr>
+              <a:tr h="361950">
+                <a:tc>
+                  <a:txBody>
+                    <a:bodyPr wrap="square" rtlCol="0">
+                      <a:spAutoFit/>
+                    </a:bodyPr>
+                    <a:lstStyle/>
+                    <a:p>
+                      <a:pPr algn="l" rtl="0" fontAlgn="base" marL="95250" marR="0" indent="0" lvl="0">
+                        <a:lnSpc>
+                          <a:spcPct val="100000"/>
+                        </a:lnSpc>
+                        <a:spcBef>
+                          <a:spcPts val="0"/>
+                        </a:spcBef>
+                        <a:spcAft>
+                          <a:spcPts val="0"/>
+                        </a:spcAft>
+                      </a:pPr>
+                      <a:r>
+                        <a:rPr lang="en-US" b="1" sz="1200" spc="0" u="none">
+                          <a:solidFill>
+                            <a:srgbClr val="000000">
+                              <a:alpha val="100000"/>
+                            </a:srgbClr>
+                          </a:solidFill>
+                          <a:latin typeface="Calibri"/>
+                        </a:rPr>
+                        <a:t><![CDATA[Custo do Capital Próprio]]></a:t>
+                      </a:r>
+                      <a:br/>
+                      <a:r>
+                        <a:rPr lang="en-US" b="1" sz="1400" spc="0" u="none">
+                          <a:solidFill>
+                            <a:srgbClr val="47008a">
+                              <a:alpha val="100000"/>
+                            </a:srgbClr>
+                          </a:solidFill>
+                          <a:latin typeface="Calibri"/>
+                        </a:rPr>
+                        <a:t><![CDATA[19,75%]]></a:t>
+                      </a:r>
+                    </a:p>
+                  </a:txBody>
+                  <a:tcPr marL="95250" marR="0" marT="0" marB="47625">
+                    <a:lnL w="12700" cap="flat" cmpd="sng" algn="ctr">
+                      <a:solidFill>
+                        <a:srgbClr val="000000">
+                          <a:alpha val="100000"/>
+                        </a:srgbClr>
+                      </a:solidFill>
+                      <a:prstDash val="solid"/>
+                      <a:round/>
+                      <a:headEnd type="none" w="med" len="med"/>
+                      <a:tailEnd type="none" w="med" len="med"/>
+                    </a:lnL>
+                    <a:lnR w="12700" cap="flat" cmpd="sng" algn="ctr">
+                      <a:solidFill>
+                        <a:srgbClr val="000000">
+                          <a:alpha val="100000"/>
+                        </a:srgbClr>
+                      </a:solidFill>
+                      <a:prstDash val="solid"/>
+                      <a:round/>
+                      <a:headEnd type="none" w="med" len="med"/>
+                      <a:tailEnd type="none" w="med" len="med"/>
+                    </a:lnR>
+                    <a:lnT w="12700" cap="flat" cmpd="sng" algn="ctr">
+                      <a:solidFill>
+                        <a:srgbClr val="000000">
+                          <a:alpha val="100000"/>
+                        </a:srgbClr>
+                      </a:solidFill>
+                      <a:prstDash val="solid"/>
+                      <a:round/>
+                      <a:headEnd type="none" w="med" len="med"/>
+                      <a:tailEnd type="none" w="med" len="med"/>
+                    </a:lnT>
+                    <a:lnB w="12700" cap="flat" cmpd="sng" algn="ctr">
+                      <a:solidFill>
+                        <a:srgbClr val="000000">
+                          <a:alpha val="100000"/>
+                        </a:srgbClr>
+                      </a:solidFill>
+                      <a:prstDash val="solid"/>
+                      <a:round/>
+                      <a:headEnd type="none" w="med" len="med"/>
+                      <a:tailEnd type="none" w="med" len="med"/>
+                    </a:lnB>
+                    <a:lnTlToBr w="12700" cap="flat" cmpd="sng" algn="ctr">
+                      <a:noFill/>
+                      <a:prstDash val="solid"/>
+                      <a:round/>
+                      <a:headEnd type="none" w="med" len="med"/>
+                      <a:tailEnd type="none" w="med" len="med"/>
+                    </a:lnTlToBr>
+                    <a:lnBlToTr w="12700" cap="flat" cmpd="sng" algn="ctr">
+                      <a:noFill/>
+                      <a:prstDash val="solid"/>
+                      <a:round/>
+                      <a:headEnd type="none" w="med" len="med"/>
+                      <a:tailEnd type="none" w="med" len="med"/>
+                    </a:lnBlToTr>
+                    <a:noFill/>
+                  </a:tcPr>
+                </a:tc>
+                <a:tc>
+                  <a:txBody>
+                    <a:bodyPr wrap="square" rtlCol="0">
+                      <a:spAutoFit/>
+                    </a:bodyPr>
+                    <a:lstStyle/>
+                    <a:p>
+                      <a:pPr algn="l" rtl="0" fontAlgn="base" marL="95250" marR="0" indent="0" lvl="0">
+                        <a:lnSpc>
+                          <a:spcPct val="100000"/>
+                        </a:lnSpc>
+                        <a:spcBef>
+                          <a:spcPts val="0"/>
+                        </a:spcBef>
+                        <a:spcAft>
+                          <a:spcPts val="0"/>
+                        </a:spcAft>
+                      </a:pPr>
+                      <a:r>
+                        <a:rPr lang="en-US" b="1" sz="1200" spc="0" u="none">
+                          <a:solidFill>
+                            <a:srgbClr val="000000">
+                              <a:alpha val="100000"/>
+                            </a:srgbClr>
+                          </a:solidFill>
+                          <a:latin typeface="Calibri"/>
+                        </a:rPr>
+                        <a:t><![CDATA[IPCA acumulado 12 meses]]></a:t>
+                      </a:r>
+                      <a:br/>
+                      <a:r>
+                        <a:rPr lang="en-US" b="1" sz="1400" spc="0" u="none">
+                          <a:solidFill>
+                            <a:srgbClr val="47008a">
+                              <a:alpha val="100000"/>
+                            </a:srgbClr>
+                          </a:solidFill>
+                          <a:latin typeface="Calibri"/>
+                        </a:rPr>
+                        <a:t><![CDATA[11.30%]]></a:t>
+                      </a:r>
+                    </a:p>
+                  </a:txBody>
+                  <a:tcPr marL="95250" marR="0" marT="0" marB="47625">
+                    <a:lnL w="12700" cap="flat" cmpd="sng" algn="ctr">
+                      <a:solidFill>
+                        <a:srgbClr val="000000">
+                          <a:alpha val="100000"/>
+                        </a:srgbClr>
+                      </a:solidFill>
+                      <a:prstDash val="solid"/>
+                      <a:round/>
+                      <a:headEnd type="none" w="med" len="med"/>
+                      <a:tailEnd type="none" w="med" len="med"/>
+                    </a:lnL>
+                    <a:lnR w="12700" cap="flat" cmpd="sng" algn="ctr">
+                      <a:solidFill>
+                        <a:srgbClr val="000000">
+                          <a:alpha val="100000"/>
+                        </a:srgbClr>
+                      </a:solidFill>
+                      <a:prstDash val="solid"/>
+                      <a:round/>
+                      <a:headEnd type="none" w="med" len="med"/>
+                      <a:tailEnd type="none" w="med" len="med"/>
+                    </a:lnR>
+                    <a:lnT w="12700" cap="flat" cmpd="sng" algn="ctr">
+                      <a:solidFill>
+                        <a:srgbClr val="000000">
+                          <a:alpha val="100000"/>
+                        </a:srgbClr>
+                      </a:solidFill>
+                      <a:prstDash val="solid"/>
+                      <a:round/>
+                      <a:headEnd type="none" w="med" len="med"/>
+                      <a:tailEnd type="none" w="med" len="med"/>
+                    </a:lnT>
+                    <a:lnB w="12700" cap="flat" cmpd="sng" algn="ctr">
+                      <a:solidFill>
+                        <a:srgbClr val="000000">
+                          <a:alpha val="100000"/>
+                        </a:srgbClr>
+                      </a:solidFill>
+                      <a:prstDash val="solid"/>
+                      <a:round/>
+                      <a:headEnd type="none" w="med" len="med"/>
+                      <a:tailEnd type="none" w="med" len="med"/>
+                    </a:lnB>
+                    <a:lnTlToBr w="12700" cap="flat" cmpd="sng" algn="ctr">
+                      <a:noFill/>
+                      <a:prstDash val="solid"/>
+                      <a:round/>
+                      <a:headEnd type="none" w="med" len="med"/>
+                      <a:tailEnd type="none" w="med" len="med"/>
+                    </a:lnTlToBr>
+                    <a:lnBlToTr w="12700" cap="flat" cmpd="sng" algn="ctr">
+                      <a:noFill/>
+                      <a:prstDash val="solid"/>
+                      <a:round/>
+                      <a:headEnd type="none" w="med" len="med"/>
+                      <a:tailEnd type="none" w="med" len="med"/>
+                    </a:lnBlToTr>
+                    <a:noFill/>
+                  </a:tcPr>
+                </a:tc>
+                <a:tc>
+                  <a:txBody>
+                    <a:bodyPr wrap="square" rtlCol="0">
+                      <a:spAutoFit/>
+                    </a:bodyPr>
+                    <a:lstStyle/>
+                    <a:p>
+                      <a:pPr algn="l" rtl="0" fontAlgn="base" marL="95250" marR="0" indent="0" lvl="0">
+                        <a:lnSpc>
+                          <a:spcPct val="100000"/>
+                        </a:lnSpc>
+                        <a:spcBef>
+                          <a:spcPts val="0"/>
+                        </a:spcBef>
+                        <a:spcAft>
+                          <a:spcPts val="0"/>
+                        </a:spcAft>
+                      </a:pPr>
+                      <a:r>
+                        <a:rPr lang="en-US" b="1" sz="1200" spc="0" u="none">
+                          <a:solidFill>
+                            <a:srgbClr val="000000">
+                              <a:alpha val="100000"/>
+                            </a:srgbClr>
+                          </a:solidFill>
+                          <a:latin typeface="Calibri"/>
+                        </a:rPr>
+                        <a:t><![CDATA[Cotação diária do dólar]]></a:t>
+                      </a:r>
+                      <a:br/>
+                      <a:r>
+                        <a:rPr lang="en-US" b="1" sz="1400" spc="0" u="none">
+                          <a:solidFill>
+                            <a:srgbClr val="47008a">
+                              <a:alpha val="100000"/>
+                            </a:srgbClr>
+                          </a:solidFill>
+                          <a:latin typeface="Calibri"/>
+                        </a:rPr>
+                        <a:t><![CDATA[R$ 5,13]]></a:t>
+                      </a:r>
+                    </a:p>
+                  </a:txBody>
+                  <a:tcPr marL="95250" marR="0" marT="0" marB="47625">
+                    <a:lnL w="12700" cap="flat" cmpd="sng" algn="ctr">
+                      <a:solidFill>
+                        <a:srgbClr val="000000">
+                          <a:alpha val="100000"/>
+                        </a:srgbClr>
+                      </a:solidFill>
+                      <a:prstDash val="solid"/>
+                      <a:round/>
+                      <a:headEnd type="none" w="med" len="med"/>
+                      <a:tailEnd type="none" w="med" len="med"/>
+                    </a:lnL>
+                    <a:lnR w="12700" cap="flat" cmpd="sng" algn="ctr">
+                      <a:solidFill>
+                        <a:srgbClr val="000000">
+                          <a:alpha val="100000"/>
+                        </a:srgbClr>
+                      </a:solidFill>
+                      <a:prstDash val="solid"/>
+                      <a:round/>
+                      <a:headEnd type="none" w="med" len="med"/>
+                      <a:tailEnd type="none" w="med" len="med"/>
+                    </a:lnR>
+                    <a:lnT w="12700" cap="flat" cmpd="sng" algn="ctr">
+                      <a:solidFill>
+                        <a:srgbClr val="000000">
+                          <a:alpha val="100000"/>
+                        </a:srgbClr>
+                      </a:solidFill>
+                      <a:prstDash val="solid"/>
+                      <a:round/>
+                      <a:headEnd type="none" w="med" len="med"/>
+                      <a:tailEnd type="none" w="med" len="med"/>
+                    </a:lnT>
+                    <a:lnB w="12700" cap="flat" cmpd="sng" algn="ctr">
+                      <a:solidFill>
+                        <a:srgbClr val="000000">
+                          <a:alpha val="100000"/>
+                        </a:srgbClr>
+                      </a:solidFill>
+                      <a:prstDash val="solid"/>
+                      <a:round/>
+                      <a:headEnd type="none" w="med" len="med"/>
+                      <a:tailEnd type="none" w="med" len="med"/>
+                    </a:lnB>
+                    <a:lnTlToBr w="12700" cap="flat" cmpd="sng" algn="ctr">
+                      <a:noFill/>
+                      <a:prstDash val="solid"/>
+                      <a:round/>
+                      <a:headEnd type="none" w="med" len="med"/>
+                      <a:tailEnd type="none" w="med" len="med"/>
+                    </a:lnTlToBr>
+                    <a:lnBlToTr w="12700" cap="flat" cmpd="sng" algn="ctr">
+                      <a:noFill/>
+                      <a:prstDash val="solid"/>
+                      <a:round/>
+                      <a:headEnd type="none" w="med" len="med"/>
+                      <a:tailEnd type="none" w="med" len="med"/>
+                    </a:lnBlToTr>
+                    <a:noFill/>
+                  </a:tcPr>
+                </a:tc>
+              </a:tr>
+            </a:tbl>
+          </a:graphicData>
+        </a:graphic>
+      </p:graphicFrame>
+      <p:sp>
+        <p:nvSpPr>
+          <p:cNvPr id="9" name=""/>
+          <p:cNvSpPr txBox="1"/>
+          <p:nvPr/>
+        </p:nvSpPr>
+        <p:spPr>
+          <a:xfrm>
+            <a:off x="95250" y="3762375"/>
+            <a:ext cx="5715000" cy="381000"/>
+          </a:xfrm>
+          <a:prstGeom prst="rect">
+            <a:avLst/>
+          </a:prstGeom>
+          <a:noFill/>
+        </p:spPr>
+        <p:txBody>
+          <a:bodyPr rtlCol="0" bIns="45720" lIns="91440" rIns="91440" tIns="45720">
+            <a:spAutoFit/>
+          </a:bodyPr>
+          <a:lstStyle/>
+          <a:p>
+            <a:pPr algn="l" rtl="0" fontAlgn="base" marL="0" marR="0" indent="0" lvl="0">
+              <a:lnSpc>
+                <a:spcPct val="100000"/>
+              </a:lnSpc>
+              <a:spcBef>
+                <a:spcPts val="0"/>
+              </a:spcBef>
+              <a:spcAft>
+                <a:spcPts val="0"/>
+              </a:spcAft>
+            </a:pPr>
+            <a:r>
+              <a:rPr lang="en-US" b="1" sz="2000" spc="0" u="none">
+                <a:solidFill>
+                  <a:srgbClr val="47008a">
+                    <a:alpha val="100000"/>
+                  </a:srgbClr>
+                </a:solidFill>
+                <a:latin typeface="Calibri"/>
+              </a:rPr>
+              <a:t><![CDATA[1. Valor econômico com DCF]]></a:t>
+            </a:r>
+          </a:p>
+        </p:txBody>
+      </p:sp>
+      <p:sp>
+        <p:nvSpPr>
+          <p:cNvPr id="10" name=""/>
+          <p:cNvSpPr txBox="1"/>
+          <p:nvPr/>
+        </p:nvSpPr>
+        <p:spPr>
+          <a:xfrm>
+            <a:off x="95250" y="4191000"/>
+            <a:ext cx="7620000" cy="1428750"/>
+          </a:xfrm>
+          <a:prstGeom prst="rect">
+            <a:avLst/>
+          </a:prstGeom>
+          <a:noFill/>
+        </p:spPr>
+        <p:txBody>
+          <a:bodyPr rtlCol="0" bIns="45720" lIns="91440" rIns="91440" tIns="45720">
+            <a:spAutoFit/>
+          </a:bodyPr>
+          <a:lstStyle/>
+          <a:p>
+            <a:pPr algn="l" rtl="0" fontAlgn="base" marL="0" marR="0" indent="0" lvl="0">
+              <a:lnSpc>
+                <a:spcPct val="100000"/>
+              </a:lnSpc>
+              <a:spcBef>
+                <a:spcPts val="0"/>
+              </a:spcBef>
+              <a:spcAft>
+                <a:spcPts val="0"/>
+              </a:spcAft>
+            </a:pPr>
+            <a:r>
+              <a:rPr lang="en-US" sz="1400" spc="0" u="none">
+                <a:solidFill>
+                  <a:srgbClr val="000000">
+                    <a:alpha val="100000"/>
+                  </a:srgbClr>
+                </a:solidFill>
+                <a:latin typeface="Calibri"/>
+              </a:rPr>
+              <a:t><![CDATA[No DCF (Discounted Cash Flow, ou Fluxo de Caixa Descontado), o objetivo é identificar o valor de uma empresa considerando seu fluxo de caixa, crescimento e risco. Ou seja, estima o seu potencial econômico em gerar retorno para sócios e credores. Esse critério engloba fatores como plano de negócio, competência da gestão, tradição, marca, carteira de clientes e qualquer decisão que impacte na geração de resultados.]]></a:t>
+            </a:r>
+          </a:p>
+        </p:txBody>
+      </p:sp>
+      <p:sp>
+        <p:nvSpPr>
+          <p:cNvPr id="11" name=""/>
+          <p:cNvSpPr txBox="1"/>
+          <p:nvPr/>
+        </p:nvSpPr>
+        <p:spPr>
+          <a:xfrm>
+            <a:off x="95250" y="5667375"/>
+            <a:ext cx="7620000" cy="714375"/>
+          </a:xfrm>
+          <a:prstGeom prst="rect">
+            <a:avLst/>
+          </a:prstGeom>
+          <a:noFill/>
+        </p:spPr>
+        <p:txBody>
+          <a:bodyPr rtlCol="0" bIns="45720" lIns="91440" rIns="91440" tIns="45720">
+            <a:spAutoFit/>
+          </a:bodyPr>
+          <a:lstStyle/>
+          <a:p>
+            <a:pPr algn="l" rtl="0" fontAlgn="base" marL="0" marR="0" indent="0" lvl="0">
+              <a:lnSpc>
+                <a:spcPct val="100000"/>
+              </a:lnSpc>
+              <a:spcBef>
+                <a:spcPts val="0"/>
+              </a:spcBef>
+              <a:spcAft>
+                <a:spcPts val="0"/>
+              </a:spcAft>
+            </a:pPr>
+            <a:r>
+              <a:rPr lang="en-US" sz="1400" spc="0" u="none">
+                <a:solidFill>
+                  <a:srgbClr val="000000">
+                    <a:alpha val="100000"/>
+                  </a:srgbClr>
+                </a:solidFill>
+                <a:latin typeface="Calibri"/>
+              </a:rPr>
+              <a:t><![CDATA[Conforme Aswath Damodaran, uma boa avaliação é o resultado de dois elementos: o desempenho histórico da empresa e a criação de uma narrativa sólida (através das projeções financeiras).]]></a:t>
+            </a:r>
+          </a:p>
+        </p:txBody>
+      </p:sp>
+    </p:spTree>
+  </p:cSld>
+  <p:clrMapOvr>
+    <a:masterClrMapping/>
+  </p:clrMapOvr>
+</p:sld>
+</file>
+
+<file path=ppt/slides/slide3.xml><?xml version="1.0" encoding="utf-8"?>
+<p:sld xmlns:a="http://schemas.openxmlformats.org/drawingml/2006/main" xmlns:r="http://schemas.openxmlformats.org/officeDocument/2006/relationships" xmlns:p="http://schemas.openxmlformats.org/presentationml/2006/main">
+  <p:cSld>
+    <p:spTree>
+      <p:nvGrpSpPr>
+        <p:cNvPr id="1" name=""/>
+        <p:cNvGrpSpPr/>
+        <p:nvPr/>
+      </p:nvGrpSpPr>
+      <p:grpSpPr>
+        <a:xfrm>
+          <a:off x="95250" y="47625"/>
+          <a:ext cx="7715250" cy="6381750"/>
+          <a:chOff x="95250" y="47625"/>
+          <a:chExt cx="7715250" cy="6381750"/>
+        </a:xfrm>
+      </p:grpSpPr>
+      <p:sp>
+        <p:nvSpPr>
+          <p:cNvPr id="1" name=""/>
+          <p:cNvSpPr txBox="1"/>
+          <p:nvPr/>
+        </p:nvSpPr>
+        <p:spPr>
+          <a:xfrm>
+            <a:off x="952500" y="47625"/>
+            <a:ext cx="5715000" cy="381000"/>
+          </a:xfrm>
+          <a:prstGeom prst="rect">
+            <a:avLst/>
+          </a:prstGeom>
+          <a:solidFill>
+            <a:srgbClr val="d7f5fc">
+              <a:alpha val="100000"/>
+            </a:srgbClr>
+          </a:solidFill>
+        </p:spPr>
+        <p:txBody>
+          <a:bodyPr rtlCol="0" bIns="45720" lIns="91440" rIns="91440" tIns="45720">
+            <a:spAutoFit/>
+          </a:bodyPr>
+          <a:lstStyle/>
+          <a:p>
+            <a:pPr algn="ctr" rtl="0" fontAlgn="base" marL="0" marR="0" indent="0" lvl="0">
+              <a:lnSpc>
+                <a:spcPct val="100000"/>
+              </a:lnSpc>
+              <a:spcBef>
+                <a:spcPts val="0"/>
+              </a:spcBef>
+              <a:spcAft>
+                <a:spcPts val="0"/>
+              </a:spcAft>
+            </a:pPr>
+            <a:r>
+              <a:rPr lang="en-US" sz="1400" spc="0" u="none">
+                <a:solidFill>
+                  <a:srgbClr val="000000">
+                    <a:alpha val="100000"/>
+                  </a:srgbClr>
+                </a:solidFill>
+                <a:latin typeface="Calibri"/>
+              </a:rPr>
+              <a:t><![CDATA[Desempenho]]></a:t>
+            </a:r>
+          </a:p>
+        </p:txBody>
+      </p:sp>
+      <p:sp>
+        <p:nvSpPr>
+          <p:cNvPr id="2" name=""/>
+          <p:cNvSpPr txBox="1"/>
+          <p:nvPr/>
+        </p:nvSpPr>
+        <p:spPr>
+          <a:xfrm>
+            <a:off x="95250" y="476250"/>
+            <a:ext cx="7620000" cy="238125"/>
+          </a:xfrm>
+          <a:prstGeom prst="rect">
+            <a:avLst/>
+          </a:prstGeom>
+          <a:noFill/>
+        </p:spPr>
+        <p:txBody>
+          <a:bodyPr rtlCol="0" bIns="45720" lIns="91440" rIns="91440" tIns="45720">
+            <a:spAutoFit/>
+          </a:bodyPr>
+          <a:lstStyle/>
+          <a:p>
+            <a:pPr algn="l" rtl="0" fontAlgn="base" marL="0" marR="0" indent="0" lvl="0">
+              <a:lnSpc>
+                <a:spcPct val="100000"/>
+              </a:lnSpc>
+              <a:spcBef>
+                <a:spcPts val="0"/>
+              </a:spcBef>
+              <a:spcAft>
+                <a:spcPts val="0"/>
+              </a:spcAft>
+            </a:pPr>
+            <a:r>
+              <a:rPr lang="en-US" sz="1400" spc="0" u="none">
+                <a:solidFill>
+                  <a:srgbClr val="000000">
+                    <a:alpha val="100000"/>
+                  </a:srgbClr>
+                </a:solidFill>
+                <a:latin typeface="Calibri"/>
+              </a:rPr>
+              <a:t><![CDATA[Receita                                                  297.000,00 R$]]></a:t>
+            </a:r>
+          </a:p>
+        </p:txBody>
+      </p:sp>
+      <p:sp>
+        <p:nvSpPr>
+          <p:cNvPr id="3" name=""/>
+          <p:cNvSpPr txBox="1"/>
+          <p:nvPr/>
+        </p:nvSpPr>
+        <p:spPr>
+          <a:xfrm>
+            <a:off x="95250" y="762000"/>
+            <a:ext cx="7620000" cy="238125"/>
+          </a:xfrm>
+          <a:prstGeom prst="rect">
+            <a:avLst/>
+          </a:prstGeom>
+          <a:noFill/>
+        </p:spPr>
+        <p:txBody>
+          <a:bodyPr rtlCol="0" bIns="45720" lIns="91440" rIns="91440" tIns="45720">
+            <a:spAutoFit/>
+          </a:bodyPr>
+          <a:lstStyle/>
+          <a:p>
+            <a:pPr algn="l" rtl="0" fontAlgn="base" marL="0" marR="0" indent="0" lvl="0">
+              <a:lnSpc>
+                <a:spcPct val="100000"/>
+              </a:lnSpc>
+              <a:spcBef>
+                <a:spcPts val="0"/>
+              </a:spcBef>
+              <a:spcAft>
+                <a:spcPts val="0"/>
+              </a:spcAft>
+            </a:pPr>
+            <a:r>
+              <a:rPr lang="en-US" sz="1400" spc="0" u="none">
+                <a:solidFill>
+                  <a:srgbClr val="000000">
+                    <a:alpha val="100000"/>
+                  </a:srgbClr>
+                </a:solidFill>
+                <a:latin typeface="Calibri"/>
+              </a:rPr>
+              <a:t><![CDATA[Dívidas                                                  15.000,00 R$]]></a:t>
+            </a:r>
+          </a:p>
+        </p:txBody>
+      </p:sp>
+      <p:sp>
+        <p:nvSpPr>
+          <p:cNvPr id="4" name=""/>
+          <p:cNvSpPr txBox="1"/>
+          <p:nvPr/>
+        </p:nvSpPr>
+        <p:spPr>
+          <a:xfrm>
+            <a:off x="95250" y="1047750"/>
+            <a:ext cx="7620000" cy="238125"/>
+          </a:xfrm>
+          <a:prstGeom prst="rect">
+            <a:avLst/>
+          </a:prstGeom>
+          <a:noFill/>
+        </p:spPr>
+        <p:txBody>
+          <a:bodyPr rtlCol="0" bIns="45720" lIns="91440" rIns="91440" tIns="45720">
+            <a:spAutoFit/>
+          </a:bodyPr>
+          <a:lstStyle/>
+          <a:p>
+            <a:pPr algn="l" rtl="0" fontAlgn="base" marL="0" marR="0" indent="0" lvl="0">
+              <a:lnSpc>
+                <a:spcPct val="100000"/>
+              </a:lnSpc>
+              <a:spcBef>
+                <a:spcPts val="0"/>
+              </a:spcBef>
+              <a:spcAft>
+                <a:spcPts val="0"/>
+              </a:spcAft>
+            </a:pPr>
+            <a:r>
+              <a:rPr lang="en-US" sz="1400" spc="0" u="none">
+                <a:solidFill>
+                  <a:srgbClr val="000000">
+                    <a:alpha val="100000"/>
+                  </a:srgbClr>
+                </a:solidFill>
+                <a:latin typeface="Calibri"/>
+              </a:rPr>
+              <a:t><![CDATA[Dinheiro em caixa                                        20.000,00 R$]]></a:t>
+            </a:r>
+          </a:p>
+        </p:txBody>
+      </p:sp>
+      <p:sp>
+        <p:nvSpPr>
+          <p:cNvPr id="5" name=""/>
+          <p:cNvSpPr txBox="1"/>
+          <p:nvPr/>
+        </p:nvSpPr>
+        <p:spPr>
+          <a:xfrm>
+            <a:off x="95250" y="1333500"/>
+            <a:ext cx="7620000" cy="238125"/>
+          </a:xfrm>
+          <a:prstGeom prst="rect">
+            <a:avLst/>
+          </a:prstGeom>
+          <a:noFill/>
+        </p:spPr>
+        <p:txBody>
+          <a:bodyPr rtlCol="0" bIns="45720" lIns="91440" rIns="91440" tIns="45720">
+            <a:spAutoFit/>
+          </a:bodyPr>
+          <a:lstStyle/>
+          <a:p>
+            <a:pPr algn="l" rtl="0" fontAlgn="base" marL="0" marR="0" indent="0" lvl="0">
+              <a:lnSpc>
+                <a:spcPct val="100000"/>
+              </a:lnSpc>
+              <a:spcBef>
+                <a:spcPts val="0"/>
+              </a:spcBef>
+              <a:spcAft>
+                <a:spcPts val="0"/>
+              </a:spcAft>
+            </a:pPr>
+            <a:r>
+              <a:rPr lang="en-US" sz="1400" spc="0" u="none">
+                <a:solidFill>
+                  <a:srgbClr val="000000">
+                    <a:alpha val="100000"/>
+                  </a:srgbClr>
+                </a:solidFill>
+                <a:latin typeface="Calibri"/>
+              </a:rPr>
+              <a:t><![CDATA[Retorno Sobre o Capital Investido (ROIC)                 80,00 R$]]></a:t>
+            </a:r>
+          </a:p>
+        </p:txBody>
+      </p:sp>
+      <p:sp>
+        <p:nvSpPr>
+          <p:cNvPr id="6" name=""/>
+          <p:cNvSpPr txBox="1"/>
+          <p:nvPr/>
+        </p:nvSpPr>
+        <p:spPr>
+          <a:xfrm>
+            <a:off x="95250" y="1619250"/>
+            <a:ext cx="7620000" cy="238125"/>
+          </a:xfrm>
+          <a:prstGeom prst="rect">
+            <a:avLst/>
+          </a:prstGeom>
+          <a:noFill/>
+        </p:spPr>
+        <p:txBody>
+          <a:bodyPr rtlCol="0" bIns="45720" lIns="91440" rIns="91440" tIns="45720">
+            <a:spAutoFit/>
+          </a:bodyPr>
+          <a:lstStyle/>
+          <a:p>
+            <a:pPr algn="l" rtl="0" fontAlgn="base" marL="0" marR="0" indent="0" lvl="0">
+              <a:lnSpc>
+                <a:spcPct val="100000"/>
+              </a:lnSpc>
+              <a:spcBef>
+                <a:spcPts val="0"/>
+              </a:spcBef>
+              <a:spcAft>
+                <a:spcPts val="0"/>
+              </a:spcAft>
+            </a:pPr>
+            <a:r>
+              <a:rPr lang="en-US" sz="1400" spc="0" u="none">
+                <a:solidFill>
+                  <a:srgbClr val="000000">
+                    <a:alpha val="100000"/>
+                  </a:srgbClr>
+                </a:solidFill>
+                <a:latin typeface="Calibri"/>
+              </a:rPr>
+              <a:t><![CDATA[EBIT                                                     84.800,00 R$]]></a:t>
+            </a:r>
+          </a:p>
+        </p:txBody>
+      </p:sp>
+      <p:sp>
+        <p:nvSpPr>
+          <p:cNvPr id="7" name=""/>
+          <p:cNvSpPr txBox="1"/>
+          <p:nvPr/>
+        </p:nvSpPr>
+        <p:spPr>
+          <a:xfrm>
+            <a:off x="95250" y="1905000"/>
+            <a:ext cx="7620000" cy="238125"/>
+          </a:xfrm>
+          <a:prstGeom prst="rect">
+            <a:avLst/>
+          </a:prstGeom>
+          <a:noFill/>
+        </p:spPr>
+        <p:txBody>
+          <a:bodyPr rtlCol="0" bIns="45720" lIns="91440" rIns="91440" tIns="45720">
+            <a:spAutoFit/>
+          </a:bodyPr>
+          <a:lstStyle/>
+          <a:p>
+            <a:pPr algn="l" rtl="0" fontAlgn="base" marL="0" marR="0" indent="0" lvl="0">
+              <a:lnSpc>
+                <a:spcPct val="100000"/>
+              </a:lnSpc>
+              <a:spcBef>
+                <a:spcPts val="0"/>
+              </a:spcBef>
+              <a:spcAft>
+                <a:spcPts val="0"/>
+              </a:spcAft>
+            </a:pPr>
+            <a:r>
+              <a:rPr lang="en-US" sz="1400" spc="0" u="none">
+                <a:solidFill>
+                  <a:srgbClr val="000000">
+                    <a:alpha val="100000"/>
+                  </a:srgbClr>
+                </a:solidFill>
+                <a:latin typeface="Calibri"/>
+              </a:rPr>
+              <a:t><![CDATA[Margem EBIT                                              28.55%]]></a:t>
+            </a:r>
+          </a:p>
+        </p:txBody>
+      </p:sp>
+      <p:graphicFrame>
+        <p:nvGraphicFramePr>
+          <p:cNvPr id="8" name="" descr=""/>
+          <p:cNvGraphicFramePr>
+            <a:graphicFrameLocks noGrp="1"/>
+          </p:cNvGraphicFramePr>
+          <p:nvPr/>
+        </p:nvGraphicFramePr>
+        <p:xfrm>
+          <a:off x="95250" y="2286000"/>
+          <a:ext cx="7620000" cy="0"/>
+        </p:xfrm>
+        <a:graphic>
+          <a:graphicData uri="http://schemas.openxmlformats.org/drawingml/2006/table">
+            <a:tbl>
+              <a:tblPr firstRow="1" bandRow="1"/>
+              <a:tblGrid>
+                <a:gridCol w="2540000"/>
+                <a:gridCol w="2540000"/>
+                <a:gridCol w="2540000"/>
+              </a:tblGrid>
+              <a:tr h="361950">
+                <a:tc>
+                  <a:txBody>
+                    <a:bodyPr wrap="square" rtlCol="0">
+                      <a:spAutoFit/>
+                    </a:bodyPr>
+                    <a:lstStyle/>
+                    <a:p>
+                      <a:pPr algn="l" rtl="0" fontAlgn="base" marL="95250" marR="0" indent="0" lvl="0">
+                        <a:lnSpc>
+                          <a:spcPct val="100000"/>
+                        </a:lnSpc>
+                        <a:spcBef>
+                          <a:spcPts val="0"/>
+                        </a:spcBef>
+                        <a:spcAft>
+                          <a:spcPts val="0"/>
+                        </a:spcAft>
+                      </a:pPr>
+                      <a:r>
+                        <a:rPr lang="en-US" b="1" sz="1200" spc="0" u="none">
+                          <a:solidFill>
+                            <a:srgbClr val="000000">
+                              <a:alpha val="100000"/>
+                            </a:srgbClr>
+                          </a:solidFill>
+                          <a:latin typeface="Calibri"/>
+                        </a:rPr>
+                        <a:t><![CDATA[Taxa Livre de Risco]]></a:t>
+                      </a:r>
+                      <a:br/>
+                      <a:r>
+                        <a:rPr lang="en-US" b="1" sz="1400" spc="0" u="none">
+                          <a:solidFill>
+                            <a:srgbClr val="47008a">
+                              <a:alpha val="100000"/>
+                            </a:srgbClr>
+                          </a:solidFill>
+                          <a:latin typeface="Calibri"/>
+                        </a:rPr>
+                        <a:t><![CDATA[12.56%]]></a:t>
+                      </a:r>
+                    </a:p>
+                  </a:txBody>
+                  <a:tcPr marL="95250" marR="0" marT="0" marB="47625">
+                    <a:lnL w="12700" cap="flat" cmpd="sng" algn="ctr">
+                      <a:solidFill>
+                        <a:srgbClr val="000000">
+                          <a:alpha val="100000"/>
+                        </a:srgbClr>
+                      </a:solidFill>
+                      <a:prstDash val="solid"/>
+                      <a:round/>
+                      <a:headEnd type="none" w="med" len="med"/>
+                      <a:tailEnd type="none" w="med" len="med"/>
+                    </a:lnL>
+                    <a:lnR w="12700" cap="flat" cmpd="sng" algn="ctr">
+                      <a:solidFill>
+                        <a:srgbClr val="000000">
+                          <a:alpha val="100000"/>
+                        </a:srgbClr>
+                      </a:solidFill>
+                      <a:prstDash val="solid"/>
+                      <a:round/>
+                      <a:headEnd type="none" w="med" len="med"/>
+                      <a:tailEnd type="none" w="med" len="med"/>
+                    </a:lnR>
+                    <a:lnT w="12700" cap="flat" cmpd="sng" algn="ctr">
+                      <a:solidFill>
+                        <a:srgbClr val="000000">
+                          <a:alpha val="100000"/>
+                        </a:srgbClr>
+                      </a:solidFill>
+                      <a:prstDash val="solid"/>
+                      <a:round/>
+                      <a:headEnd type="none" w="med" len="med"/>
+                      <a:tailEnd type="none" w="med" len="med"/>
+                    </a:lnT>
+                    <a:lnB w="12700" cap="flat" cmpd="sng" algn="ctr">
+                      <a:solidFill>
+                        <a:srgbClr val="000000">
+                          <a:alpha val="100000"/>
+                        </a:srgbClr>
+                      </a:solidFill>
+                      <a:prstDash val="solid"/>
+                      <a:round/>
+                      <a:headEnd type="none" w="med" len="med"/>
+                      <a:tailEnd type="none" w="med" len="med"/>
+                    </a:lnB>
+                    <a:lnTlToBr w="12700" cap="flat" cmpd="sng" algn="ctr">
+                      <a:noFill/>
+                      <a:prstDash val="solid"/>
+                      <a:round/>
+                      <a:headEnd type="none" w="med" len="med"/>
+                      <a:tailEnd type="none" w="med" len="med"/>
+                    </a:lnTlToBr>
+                    <a:lnBlToTr w="12700" cap="flat" cmpd="sng" algn="ctr">
+                      <a:noFill/>
+                      <a:prstDash val="solid"/>
+                      <a:round/>
+                      <a:headEnd type="none" w="med" len="med"/>
+                      <a:tailEnd type="none" w="med" len="med"/>
+                    </a:lnBlToTr>
+                    <a:noFill/>
+                  </a:tcPr>
+                </a:tc>
+                <a:tc>
+                  <a:txBody>
+                    <a:bodyPr wrap="square" rtlCol="0">
+                      <a:spAutoFit/>
+                    </a:bodyPr>
+                    <a:lstStyle/>
+                    <a:p>
+                      <a:pPr algn="l" rtl="0" fontAlgn="base" marL="95250" marR="0" indent="0" lvl="0">
+                        <a:lnSpc>
+                          <a:spcPct val="100000"/>
+                        </a:lnSpc>
+                        <a:spcBef>
+                          <a:spcPts val="0"/>
+                        </a:spcBef>
+                        <a:spcAft>
+                          <a:spcPts val="0"/>
+                        </a:spcAft>
+                      </a:pPr>
+                      <a:r>
+                        <a:rPr lang="en-US" b="1" sz="1200" spc="0" u="none">
+                          <a:solidFill>
+                            <a:srgbClr val="000000">
+                              <a:alpha val="100000"/>
+                            </a:srgbClr>
+                          </a:solidFill>
+                          <a:latin typeface="Calibri"/>
+                        </a:rPr>
+                        <a:t><![CDATA[Prêmio de Risco de Capital Próprio]]></a:t>
+                      </a:r>
+                      <a:br/>
+                      <a:r>
+                        <a:rPr lang="en-US" b="1" sz="1400" spc="0" u="none">
+                          <a:solidFill>
+                            <a:srgbClr val="47008a">
+                              <a:alpha val="100000"/>
+                            </a:srgbClr>
+                          </a:solidFill>
+                          <a:latin typeface="Calibri"/>
+                        </a:rPr>
+                        <a:t><![CDATA[7.21%]]></a:t>
+                      </a:r>
+                    </a:p>
+                  </a:txBody>
+                  <a:tcPr marL="95250" marR="0" marT="0" marB="47625">
+                    <a:lnL w="12700" cap="flat" cmpd="sng" algn="ctr">
+                      <a:solidFill>
+                        <a:srgbClr val="000000">
+                          <a:alpha val="100000"/>
+                        </a:srgbClr>
+                      </a:solidFill>
+                      <a:prstDash val="solid"/>
+                      <a:round/>
+                      <a:headEnd type="none" w="med" len="med"/>
+                      <a:tailEnd type="none" w="med" len="med"/>
+                    </a:lnL>
+                    <a:lnR w="12700" cap="flat" cmpd="sng" algn="ctr">
+                      <a:solidFill>
+                        <a:srgbClr val="000000">
+                          <a:alpha val="100000"/>
+                        </a:srgbClr>
+                      </a:solidFill>
+                      <a:prstDash val="solid"/>
+                      <a:round/>
+                      <a:headEnd type="none" w="med" len="med"/>
+                      <a:tailEnd type="none" w="med" len="med"/>
+                    </a:lnR>
+                    <a:lnT w="12700" cap="flat" cmpd="sng" algn="ctr">
+                      <a:solidFill>
+                        <a:srgbClr val="000000">
+                          <a:alpha val="100000"/>
+                        </a:srgbClr>
+                      </a:solidFill>
+                      <a:prstDash val="solid"/>
+                      <a:round/>
+                      <a:headEnd type="none" w="med" len="med"/>
+                      <a:tailEnd type="none" w="med" len="med"/>
+                    </a:lnT>
+                    <a:lnB w="12700" cap="flat" cmpd="sng" algn="ctr">
+                      <a:solidFill>
+                        <a:srgbClr val="000000">
+                          <a:alpha val="100000"/>
+                        </a:srgbClr>
+                      </a:solidFill>
+                      <a:prstDash val="solid"/>
+                      <a:round/>
+                      <a:headEnd type="none" w="med" len="med"/>
+                      <a:tailEnd type="none" w="med" len="med"/>
+                    </a:lnB>
+                    <a:lnTlToBr w="12700" cap="flat" cmpd="sng" algn="ctr">
+                      <a:noFill/>
+                      <a:prstDash val="solid"/>
+                      <a:round/>
+                      <a:headEnd type="none" w="med" len="med"/>
+                      <a:tailEnd type="none" w="med" len="med"/>
+                    </a:lnTlToBr>
+                    <a:lnBlToTr w="12700" cap="flat" cmpd="sng" algn="ctr">
+                      <a:noFill/>
+                      <a:prstDash val="solid"/>
+                      <a:round/>
+                      <a:headEnd type="none" w="med" len="med"/>
+                      <a:tailEnd type="none" w="med" len="med"/>
+                    </a:lnBlToTr>
+                    <a:noFill/>
+                  </a:tcPr>
+                </a:tc>
+                <a:tc>
+                  <a:txBody>
+                    <a:bodyPr wrap="square" rtlCol="0">
+                      <a:spAutoFit/>
+                    </a:bodyPr>
+                    <a:lstStyle/>
+                    <a:p>
+                      <a:pPr algn="l" rtl="0" fontAlgn="base" marL="95250" marR="0" indent="0" lvl="0">
+                        <a:lnSpc>
+                          <a:spcPct val="100000"/>
+                        </a:lnSpc>
+                        <a:spcBef>
+                          <a:spcPts val="0"/>
+                        </a:spcBef>
+                        <a:spcAft>
+                          <a:spcPts val="0"/>
+                        </a:spcAft>
+                      </a:pPr>
+                      <a:r>
+                        <a:rPr lang="en-US" b="1" sz="1200" spc="0" u="none">
+                          <a:solidFill>
+                            <a:srgbClr val="000000">
+                              <a:alpha val="100000"/>
+                            </a:srgbClr>
+                          </a:solidFill>
+                          <a:latin typeface="Calibri"/>
+                        </a:rPr>
+                        <a:t><![CDATA[Desconto de Iliquidez]]></a:t>
+                      </a:r>
+                      <a:br/>
+                      <a:r>
+                        <a:rPr lang="en-US" b="1" sz="1400" spc="0" u="none">
+                          <a:solidFill>
+                            <a:srgbClr val="47008a">
+                              <a:alpha val="100000"/>
+                            </a:srgbClr>
+                          </a:solidFill>
+                          <a:latin typeface="Calibri"/>
+                        </a:rPr>
+                        <a:t><![CDATA[15%]]></a:t>
+                      </a:r>
+                    </a:p>
+                  </a:txBody>
+                  <a:tcPr marL="95250" marR="0" marT="0" marB="47625">
+                    <a:lnL w="12700" cap="flat" cmpd="sng" algn="ctr">
+                      <a:solidFill>
+                        <a:srgbClr val="000000">
+                          <a:alpha val="100000"/>
+                        </a:srgbClr>
+                      </a:solidFill>
+                      <a:prstDash val="solid"/>
+                      <a:round/>
+                      <a:headEnd type="none" w="med" len="med"/>
+                      <a:tailEnd type="none" w="med" len="med"/>
+                    </a:lnL>
+                    <a:lnR w="12700" cap="flat" cmpd="sng" algn="ctr">
+                      <a:solidFill>
+                        <a:srgbClr val="000000">
+                          <a:alpha val="100000"/>
+                        </a:srgbClr>
+                      </a:solidFill>
+                      <a:prstDash val="solid"/>
+                      <a:round/>
+                      <a:headEnd type="none" w="med" len="med"/>
+                      <a:tailEnd type="none" w="med" len="med"/>
+                    </a:lnR>
+                    <a:lnT w="12700" cap="flat" cmpd="sng" algn="ctr">
+                      <a:solidFill>
+                        <a:srgbClr val="000000">
+                          <a:alpha val="100000"/>
+                        </a:srgbClr>
+                      </a:solidFill>
+                      <a:prstDash val="solid"/>
+                      <a:round/>
+                      <a:headEnd type="none" w="med" len="med"/>
+                      <a:tailEnd type="none" w="med" len="med"/>
+                    </a:lnT>
+                    <a:lnB w="12700" cap="flat" cmpd="sng" algn="ctr">
+                      <a:solidFill>
+                        <a:srgbClr val="000000">
+                          <a:alpha val="100000"/>
+                        </a:srgbClr>
+                      </a:solidFill>
+                      <a:prstDash val="solid"/>
+                      <a:round/>
+                      <a:headEnd type="none" w="med" len="med"/>
+                      <a:tailEnd type="none" w="med" len="med"/>
+                    </a:lnB>
+                    <a:lnTlToBr w="12700" cap="flat" cmpd="sng" algn="ctr">
+                      <a:noFill/>
+                      <a:prstDash val="solid"/>
+                      <a:round/>
+                      <a:headEnd type="none" w="med" len="med"/>
+                      <a:tailEnd type="none" w="med" len="med"/>
+                    </a:lnTlToBr>
+                    <a:lnBlToTr w="12700" cap="flat" cmpd="sng" algn="ctr">
+                      <a:noFill/>
+                      <a:prstDash val="solid"/>
+                      <a:round/>
+                      <a:headEnd type="none" w="med" len="med"/>
+                      <a:tailEnd type="none" w="med" len="med"/>
+                    </a:lnBlToTr>
+                    <a:noFill/>
+                  </a:tcPr>
+                </a:tc>
+              </a:tr>
+              <a:tr h="361950">
+                <a:tc>
+                  <a:txBody>
+                    <a:bodyPr wrap="square" rtlCol="0">
+                      <a:spAutoFit/>
+                    </a:bodyPr>
+                    <a:lstStyle/>
+                    <a:p>
+                      <a:pPr algn="l" rtl="0" fontAlgn="base" marL="95250" marR="0" indent="0" lvl="0">
+                        <a:lnSpc>
+                          <a:spcPct val="100000"/>
+                        </a:lnSpc>
+                        <a:spcBef>
+                          <a:spcPts val="0"/>
+                        </a:spcBef>
+                        <a:spcAft>
+                          <a:spcPts val="0"/>
+                        </a:spcAft>
+                      </a:pPr>
+                      <a:r>
+                        <a:rPr lang="en-US" b="1" sz="1200" spc="0" u="none">
+                          <a:solidFill>
+                            <a:srgbClr val="000000">
+                              <a:alpha val="100000"/>
+                            </a:srgbClr>
+                          </a:solidFill>
+                          <a:latin typeface="Calibri"/>
+                        </a:rPr>
+                        <a:t><![CDATA[Risco País]]></a:t>
+                      </a:r>
+                      <a:br/>
+                      <a:r>
+                        <a:rPr lang="en-US" b="1" sz="1400" spc="0" u="none">
+                          <a:solidFill>
+                            <a:srgbClr val="47008a">
+                              <a:alpha val="100000"/>
+                            </a:srgbClr>
+                          </a:solidFill>
+                          <a:latin typeface="Calibri"/>
+                        </a:rPr>
+                        <a:t><![CDATA[2.97%]]></a:t>
+                      </a:r>
+                    </a:p>
+                  </a:txBody>
+                  <a:tcPr marL="95250" marR="0" marT="0" marB="47625">
+                    <a:lnL w="12700" cap="flat" cmpd="sng" algn="ctr">
+                      <a:solidFill>
+                        <a:srgbClr val="000000">
+                          <a:alpha val="100000"/>
+                        </a:srgbClr>
+                      </a:solidFill>
+                      <a:prstDash val="solid"/>
+                      <a:round/>
+                      <a:headEnd type="none" w="med" len="med"/>
+                      <a:tailEnd type="none" w="med" len="med"/>
+                    </a:lnL>
+                    <a:lnR w="12700" cap="flat" cmpd="sng" algn="ctr">
+                      <a:solidFill>
+                        <a:srgbClr val="000000">
+                          <a:alpha val="100000"/>
+                        </a:srgbClr>
+                      </a:solidFill>
+                      <a:prstDash val="solid"/>
+                      <a:round/>
+                      <a:headEnd type="none" w="med" len="med"/>
+                      <a:tailEnd type="none" w="med" len="med"/>
+                    </a:lnR>
+                    <a:lnT w="12700" cap="flat" cmpd="sng" algn="ctr">
+                      <a:solidFill>
+                        <a:srgbClr val="000000">
+                          <a:alpha val="100000"/>
+                        </a:srgbClr>
+                      </a:solidFill>
+                      <a:prstDash val="solid"/>
+                      <a:round/>
+                      <a:headEnd type="none" w="med" len="med"/>
+                      <a:tailEnd type="none" w="med" len="med"/>
+                    </a:lnT>
+                    <a:lnB w="12700" cap="flat" cmpd="sng" algn="ctr">
+                      <a:solidFill>
+                        <a:srgbClr val="000000">
+                          <a:alpha val="100000"/>
+                        </a:srgbClr>
+                      </a:solidFill>
+                      <a:prstDash val="solid"/>
+                      <a:round/>
+                      <a:headEnd type="none" w="med" len="med"/>
+                      <a:tailEnd type="none" w="med" len="med"/>
+                    </a:lnB>
+                    <a:lnTlToBr w="12700" cap="flat" cmpd="sng" algn="ctr">
+                      <a:noFill/>
+                      <a:prstDash val="solid"/>
+                      <a:round/>
+                      <a:headEnd type="none" w="med" len="med"/>
+                      <a:tailEnd type="none" w="med" len="med"/>
+                    </a:lnTlToBr>
+                    <a:lnBlToTr w="12700" cap="flat" cmpd="sng" algn="ctr">
+                      <a:noFill/>
+                      <a:prstDash val="solid"/>
+                      <a:round/>
+                      <a:headEnd type="none" w="med" len="med"/>
+                      <a:tailEnd type="none" w="med" len="med"/>
+                    </a:lnBlToTr>
+                    <a:noFill/>
+                  </a:tcPr>
+                </a:tc>
+                <a:tc>
+                  <a:txBody>
+                    <a:bodyPr wrap="square" rtlCol="0">
+                      <a:spAutoFit/>
+                    </a:bodyPr>
+                    <a:lstStyle/>
+                    <a:p>
+                      <a:pPr algn="l" rtl="0" fontAlgn="base" marL="95250" marR="0" indent="0" lvl="0">
+                        <a:lnSpc>
+                          <a:spcPct val="100000"/>
+                        </a:lnSpc>
+                        <a:spcBef>
+                          <a:spcPts val="0"/>
+                        </a:spcBef>
+                        <a:spcAft>
+                          <a:spcPts val="0"/>
+                        </a:spcAft>
+                      </a:pPr>
+                      <a:r>
+                        <a:rPr lang="en-US" b="1" sz="1200" spc="0" u="none">
+                          <a:solidFill>
+                            <a:srgbClr val="000000">
+                              <a:alpha val="100000"/>
+                            </a:srgbClr>
+                          </a:solidFill>
+                          <a:latin typeface="Calibri"/>
+                        </a:rPr>
+                        <a:t><![CDATA[Custo do Capital]]></a:t>
+                      </a:r>
+                      <a:br/>
+                      <a:r>
+                        <a:rPr lang="en-US" b="1" sz="1400" spc="0" u="none">
+                          <a:solidFill>
+                            <a:srgbClr val="47008a">
+                              <a:alpha val="100000"/>
+                            </a:srgbClr>
+                          </a:solidFill>
+                          <a:latin typeface="Calibri"/>
+                        </a:rPr>
+                        <a:t><![CDATA[19,28%]]></a:t>
+                      </a:r>
+                    </a:p>
+                  </a:txBody>
+                  <a:tcPr marL="95250" marR="0" marT="0" marB="47625">
+                    <a:lnL w="12700" cap="flat" cmpd="sng" algn="ctr">
+                      <a:solidFill>
+                        <a:srgbClr val="000000">
+                          <a:alpha val="100000"/>
+                        </a:srgbClr>
+                      </a:solidFill>
+                      <a:prstDash val="solid"/>
+                      <a:round/>
+                      <a:headEnd type="none" w="med" len="med"/>
+                      <a:tailEnd type="none" w="med" len="med"/>
+                    </a:lnL>
+                    <a:lnR w="12700" cap="flat" cmpd="sng" algn="ctr">
+                      <a:solidFill>
+                        <a:srgbClr val="000000">
+                          <a:alpha val="100000"/>
+                        </a:srgbClr>
+                      </a:solidFill>
+                      <a:prstDash val="solid"/>
+                      <a:round/>
+                      <a:headEnd type="none" w="med" len="med"/>
+                      <a:tailEnd type="none" w="med" len="med"/>
+                    </a:lnR>
+                    <a:lnT w="12700" cap="flat" cmpd="sng" algn="ctr">
+                      <a:solidFill>
+                        <a:srgbClr val="000000">
+                          <a:alpha val="100000"/>
+                        </a:srgbClr>
+                      </a:solidFill>
+                      <a:prstDash val="solid"/>
+                      <a:round/>
+                      <a:headEnd type="none" w="med" len="med"/>
+                      <a:tailEnd type="none" w="med" len="med"/>
+                    </a:lnT>
+                    <a:lnB w="12700" cap="flat" cmpd="sng" algn="ctr">
+                      <a:solidFill>
+                        <a:srgbClr val="000000">
+                          <a:alpha val="100000"/>
+                        </a:srgbClr>
+                      </a:solidFill>
+                      <a:prstDash val="solid"/>
+                      <a:round/>
+                      <a:headEnd type="none" w="med" len="med"/>
+                      <a:tailEnd type="none" w="med" len="med"/>
+                    </a:lnB>
+                    <a:lnTlToBr w="12700" cap="flat" cmpd="sng" algn="ctr">
+                      <a:noFill/>
+                      <a:prstDash val="solid"/>
+                      <a:round/>
+                      <a:headEnd type="none" w="med" len="med"/>
+                      <a:tailEnd type="none" w="med" len="med"/>
+                    </a:lnTlToBr>
+                    <a:lnBlToTr w="12700" cap="flat" cmpd="sng" algn="ctr">
+                      <a:noFill/>
+                      <a:prstDash val="solid"/>
+                      <a:round/>
+                      <a:headEnd type="none" w="med" len="med"/>
+                      <a:tailEnd type="none" w="med" len="med"/>
+                    </a:lnBlToTr>
+                    <a:noFill/>
+                  </a:tcPr>
+                </a:tc>
+                <a:tc>
+                  <a:txBody>
+                    <a:bodyPr wrap="square" rtlCol="0">
+                      <a:spAutoFit/>
+                    </a:bodyPr>
+                    <a:lstStyle/>
+                    <a:p>
+                      <a:pPr algn="l" rtl="0" fontAlgn="base" marL="95250" marR="0" indent="0" lvl="0">
+                        <a:lnSpc>
+                          <a:spcPct val="100000"/>
+                        </a:lnSpc>
+                        <a:spcBef>
+                          <a:spcPts val="0"/>
+                        </a:spcBef>
+                        <a:spcAft>
+                          <a:spcPts val="0"/>
+                        </a:spcAft>
+                      </a:pPr>
+                      <a:r>
+                        <a:rPr lang="en-US" b="1" sz="1200" spc="0" u="none">
+                          <a:solidFill>
+                            <a:srgbClr val="000000">
+                              <a:alpha val="100000"/>
+                            </a:srgbClr>
+                          </a:solidFill>
+                          <a:latin typeface="Calibri"/>
+                        </a:rPr>
+                        <a:t><![CDATA[Custo da Dívida]]></a:t>
+                      </a:r>
+                      <a:br/>
+                      <a:r>
+                        <a:rPr lang="en-US" b="1" sz="1400" spc="0" u="none">
+                          <a:solidFill>
+                            <a:srgbClr val="47008a">
+                              <a:alpha val="100000"/>
+                            </a:srgbClr>
+                          </a:solidFill>
+                          <a:latin typeface="Calibri"/>
+                        </a:rPr>
+                        <a:t><![CDATA[15,88%]]></a:t>
+                      </a:r>
+                    </a:p>
+                  </a:txBody>
+                  <a:tcPr marL="95250" marR="0" marT="0" marB="47625">
+                    <a:lnL w="12700" cap="flat" cmpd="sng" algn="ctr">
+                      <a:solidFill>
+                        <a:srgbClr val="000000">
+                          <a:alpha val="100000"/>
+                        </a:srgbClr>
+                      </a:solidFill>
+                      <a:prstDash val="solid"/>
+                      <a:round/>
+                      <a:headEnd type="none" w="med" len="med"/>
+                      <a:tailEnd type="none" w="med" len="med"/>
+                    </a:lnL>
+                    <a:lnR w="12700" cap="flat" cmpd="sng" algn="ctr">
+                      <a:solidFill>
+                        <a:srgbClr val="000000">
+                          <a:alpha val="100000"/>
+                        </a:srgbClr>
+                      </a:solidFill>
+                      <a:prstDash val="solid"/>
+                      <a:round/>
+                      <a:headEnd type="none" w="med" len="med"/>
+                      <a:tailEnd type="none" w="med" len="med"/>
+                    </a:lnR>
+                    <a:lnT w="12700" cap="flat" cmpd="sng" algn="ctr">
+                      <a:solidFill>
+                        <a:srgbClr val="000000">
+                          <a:alpha val="100000"/>
+                        </a:srgbClr>
+                      </a:solidFill>
+                      <a:prstDash val="solid"/>
+                      <a:round/>
+                      <a:headEnd type="none" w="med" len="med"/>
+                      <a:tailEnd type="none" w="med" len="med"/>
+                    </a:lnT>
+                    <a:lnB w="12700" cap="flat" cmpd="sng" algn="ctr">
+                      <a:solidFill>
+                        <a:srgbClr val="000000">
+                          <a:alpha val="100000"/>
+                        </a:srgbClr>
+                      </a:solidFill>
+                      <a:prstDash val="solid"/>
+                      <a:round/>
+                      <a:headEnd type="none" w="med" len="med"/>
+                      <a:tailEnd type="none" w="med" len="med"/>
+                    </a:lnB>
+                    <a:lnTlToBr w="12700" cap="flat" cmpd="sng" algn="ctr">
+                      <a:noFill/>
+                      <a:prstDash val="solid"/>
+                      <a:round/>
+                      <a:headEnd type="none" w="med" len="med"/>
+                      <a:tailEnd type="none" w="med" len="med"/>
+                    </a:lnTlToBr>
+                    <a:lnBlToTr w="12700" cap="flat" cmpd="sng" algn="ctr">
+                      <a:noFill/>
+                      <a:prstDash val="solid"/>
+                      <a:round/>
+                      <a:headEnd type="none" w="med" len="med"/>
+                      <a:tailEnd type="none" w="med" len="med"/>
+                    </a:lnBlToTr>
+                    <a:noFill/>
+                  </a:tcPr>
+                </a:tc>
+              </a:tr>
+              <a:tr h="361950">
+                <a:tc>
+                  <a:txBody>
+                    <a:bodyPr wrap="square" rtlCol="0">
+                      <a:spAutoFit/>
+                    </a:bodyPr>
+                    <a:lstStyle/>
+                    <a:p>
+                      <a:pPr algn="l" rtl="0" fontAlgn="base" marL="95250" marR="0" indent="0" lvl="0">
+                        <a:lnSpc>
+                          <a:spcPct val="100000"/>
+                        </a:lnSpc>
+                        <a:spcBef>
+                          <a:spcPts val="0"/>
+                        </a:spcBef>
+                        <a:spcAft>
+                          <a:spcPts val="0"/>
+                        </a:spcAft>
+                      </a:pPr>
+                      <a:r>
+                        <a:rPr lang="en-US" b="1" sz="1200" spc="0" u="none">
+                          <a:solidFill>
+                            <a:srgbClr val="000000">
+                              <a:alpha val="100000"/>
+                            </a:srgbClr>
+                          </a:solidFill>
+                          <a:latin typeface="Calibri"/>
+                        </a:rPr>
+                        <a:t><![CDATA[Custo do Capital Próprio]]></a:t>
+                      </a:r>
+                      <a:br/>
+                      <a:r>
+                        <a:rPr lang="en-US" b="1" sz="1400" spc="0" u="none">
+                          <a:solidFill>
+                            <a:srgbClr val="47008a">
+                              <a:alpha val="100000"/>
+                            </a:srgbClr>
+                          </a:solidFill>
+                          <a:latin typeface="Calibri"/>
+                        </a:rPr>
+                        <a:t><![CDATA[19,75%]]></a:t>
+                      </a:r>
+                    </a:p>
+                  </a:txBody>
+                  <a:tcPr marL="95250" marR="0" marT="0" marB="47625">
+                    <a:lnL w="12700" cap="flat" cmpd="sng" algn="ctr">
+                      <a:solidFill>
+                        <a:srgbClr val="000000">
+                          <a:alpha val="100000"/>
+                        </a:srgbClr>
+                      </a:solidFill>
+                      <a:prstDash val="solid"/>
+                      <a:round/>
+                      <a:headEnd type="none" w="med" len="med"/>
+                      <a:tailEnd type="none" w="med" len="med"/>
+                    </a:lnL>
+                    <a:lnR w="12700" cap="flat" cmpd="sng" algn="ctr">
+                      <a:solidFill>
+                        <a:srgbClr val="000000">
+                          <a:alpha val="100000"/>
+                        </a:srgbClr>
+                      </a:solidFill>
+                      <a:prstDash val="solid"/>
+                      <a:round/>
+                      <a:headEnd type="none" w="med" len="med"/>
+                      <a:tailEnd type="none" w="med" len="med"/>
+                    </a:lnR>
+                    <a:lnT w="12700" cap="flat" cmpd="sng" algn="ctr">
+                      <a:solidFill>
+                        <a:srgbClr val="000000">
+                          <a:alpha val="100000"/>
+                        </a:srgbClr>
+                      </a:solidFill>
+                      <a:prstDash val="solid"/>
+                      <a:round/>
+                      <a:headEnd type="none" w="med" len="med"/>
+                      <a:tailEnd type="none" w="med" len="med"/>
+                    </a:lnT>
+                    <a:lnB w="12700" cap="flat" cmpd="sng" algn="ctr">
+                      <a:solidFill>
+                        <a:srgbClr val="000000">
+                          <a:alpha val="100000"/>
+                        </a:srgbClr>
+                      </a:solidFill>
+                      <a:prstDash val="solid"/>
+                      <a:round/>
+                      <a:headEnd type="none" w="med" len="med"/>
+                      <a:tailEnd type="none" w="med" len="med"/>
+                    </a:lnB>
+                    <a:lnTlToBr w="12700" cap="flat" cmpd="sng" algn="ctr">
+                      <a:noFill/>
+                      <a:prstDash val="solid"/>
+                      <a:round/>
+                      <a:headEnd type="none" w="med" len="med"/>
+                      <a:tailEnd type="none" w="med" len="med"/>
+                    </a:lnTlToBr>
+                    <a:lnBlToTr w="12700" cap="flat" cmpd="sng" algn="ctr">
+                      <a:noFill/>
+                      <a:prstDash val="solid"/>
+                      <a:round/>
+                      <a:headEnd type="none" w="med" len="med"/>
+                      <a:tailEnd type="none" w="med" len="med"/>
+                    </a:lnBlToTr>
+                    <a:noFill/>
+                  </a:tcPr>
+                </a:tc>
+                <a:tc>
+                  <a:txBody>
+                    <a:bodyPr wrap="square" rtlCol="0">
+                      <a:spAutoFit/>
+                    </a:bodyPr>
+                    <a:lstStyle/>
+                    <a:p>
+                      <a:pPr algn="l" rtl="0" fontAlgn="base" marL="95250" marR="0" indent="0" lvl="0">
+                        <a:lnSpc>
+                          <a:spcPct val="100000"/>
+                        </a:lnSpc>
+                        <a:spcBef>
+                          <a:spcPts val="0"/>
+                        </a:spcBef>
+                        <a:spcAft>
+                          <a:spcPts val="0"/>
+                        </a:spcAft>
+                      </a:pPr>
+                      <a:r>
+                        <a:rPr lang="en-US" b="1" sz="1200" spc="0" u="none">
+                          <a:solidFill>
+                            <a:srgbClr val="000000">
+                              <a:alpha val="100000"/>
+                            </a:srgbClr>
+                          </a:solidFill>
+                          <a:latin typeface="Calibri"/>
+                        </a:rPr>
+                        <a:t><![CDATA[IPCA acumulado 12 meses]]></a:t>
+                      </a:r>
+                      <a:br/>
+                      <a:r>
+                        <a:rPr lang="en-US" b="1" sz="1400" spc="0" u="none">
+                          <a:solidFill>
+                            <a:srgbClr val="47008a">
+                              <a:alpha val="100000"/>
+                            </a:srgbClr>
+                          </a:solidFill>
+                          <a:latin typeface="Calibri"/>
+                        </a:rPr>
+                        <a:t><![CDATA[11.30%]]></a:t>
+                      </a:r>
+                    </a:p>
+                  </a:txBody>
+                  <a:tcPr marL="95250" marR="0" marT="0" marB="47625">
+                    <a:lnL w="12700" cap="flat" cmpd="sng" algn="ctr">
+                      <a:solidFill>
+                        <a:srgbClr val="000000">
+                          <a:alpha val="100000"/>
+                        </a:srgbClr>
+                      </a:solidFill>
+                      <a:prstDash val="solid"/>
+                      <a:round/>
+                      <a:headEnd type="none" w="med" len="med"/>
+                      <a:tailEnd type="none" w="med" len="med"/>
+                    </a:lnL>
+                    <a:lnR w="12700" cap="flat" cmpd="sng" algn="ctr">
+                      <a:solidFill>
+                        <a:srgbClr val="000000">
+                          <a:alpha val="100000"/>
+                        </a:srgbClr>
+                      </a:solidFill>
+                      <a:prstDash val="solid"/>
+                      <a:round/>
+                      <a:headEnd type="none" w="med" len="med"/>
+                      <a:tailEnd type="none" w="med" len="med"/>
+                    </a:lnR>
+                    <a:lnT w="12700" cap="flat" cmpd="sng" algn="ctr">
+                      <a:solidFill>
+                        <a:srgbClr val="000000">
+                          <a:alpha val="100000"/>
+                        </a:srgbClr>
+                      </a:solidFill>
+                      <a:prstDash val="solid"/>
+                      <a:round/>
+                      <a:headEnd type="none" w="med" len="med"/>
+                      <a:tailEnd type="none" w="med" len="med"/>
+                    </a:lnT>
+                    <a:lnB w="12700" cap="flat" cmpd="sng" algn="ctr">
+                      <a:solidFill>
+                        <a:srgbClr val="000000">
+                          <a:alpha val="100000"/>
+                        </a:srgbClr>
+                      </a:solidFill>
+                      <a:prstDash val="solid"/>
+                      <a:round/>
+                      <a:headEnd type="none" w="med" len="med"/>
+                      <a:tailEnd type="none" w="med" len="med"/>
+                    </a:lnB>
+                    <a:lnTlToBr w="12700" cap="flat" cmpd="sng" algn="ctr">
+                      <a:noFill/>
+                      <a:prstDash val="solid"/>
+                      <a:round/>
+                      <a:headEnd type="none" w="med" len="med"/>
+                      <a:tailEnd type="none" w="med" len="med"/>
+                    </a:lnTlToBr>
+                    <a:lnBlToTr w="12700" cap="flat" cmpd="sng" algn="ctr">
+                      <a:noFill/>
+                      <a:prstDash val="solid"/>
+                      <a:round/>
+                      <a:headEnd type="none" w="med" len="med"/>
+                      <a:tailEnd type="none" w="med" len="med"/>
+                    </a:lnBlToTr>
+                    <a:noFill/>
+                  </a:tcPr>
+                </a:tc>
+                <a:tc>
+                  <a:txBody>
+                    <a:bodyPr wrap="square" rtlCol="0">
+                      <a:spAutoFit/>
+                    </a:bodyPr>
+                    <a:lstStyle/>
+                    <a:p>
+                      <a:pPr algn="l" rtl="0" fontAlgn="base" marL="95250" marR="0" indent="0" lvl="0">
+                        <a:lnSpc>
+                          <a:spcPct val="100000"/>
+                        </a:lnSpc>
+                        <a:spcBef>
+                          <a:spcPts val="0"/>
+                        </a:spcBef>
+                        <a:spcAft>
+                          <a:spcPts val="0"/>
+                        </a:spcAft>
+                      </a:pPr>
+                      <a:r>
+                        <a:rPr lang="en-US" b="1" sz="1200" spc="0" u="none">
+                          <a:solidFill>
+                            <a:srgbClr val="000000">
+                              <a:alpha val="100000"/>
+                            </a:srgbClr>
+                          </a:solidFill>
+                          <a:latin typeface="Calibri"/>
+                        </a:rPr>
+                        <a:t><![CDATA[Cotação diária do dólar]]></a:t>
+                      </a:r>
+                      <a:br/>
+                      <a:r>
+                        <a:rPr lang="en-US" b="1" sz="1400" spc="0" u="none">
+                          <a:solidFill>
+                            <a:srgbClr val="47008a">
+                              <a:alpha val="100000"/>
+                            </a:srgbClr>
+                          </a:solidFill>
+                          <a:latin typeface="Calibri"/>
+                        </a:rPr>
+                        <a:t><![CDATA[R$ 5,13]]></a:t>
+                      </a:r>
+                    </a:p>
+                  </a:txBody>
+                  <a:tcPr marL="95250" marR="0" marT="0" marB="47625">
+                    <a:lnL w="12700" cap="flat" cmpd="sng" algn="ctr">
+                      <a:solidFill>
+                        <a:srgbClr val="000000">
+                          <a:alpha val="100000"/>
+                        </a:srgbClr>
+                      </a:solidFill>
+                      <a:prstDash val="solid"/>
+                      <a:round/>
+                      <a:headEnd type="none" w="med" len="med"/>
+                      <a:tailEnd type="none" w="med" len="med"/>
+                    </a:lnL>
+                    <a:lnR w="12700" cap="flat" cmpd="sng" algn="ctr">
+                      <a:solidFill>
+                        <a:srgbClr val="000000">
+                          <a:alpha val="100000"/>
+                        </a:srgbClr>
+                      </a:solidFill>
+                      <a:prstDash val="solid"/>
+                      <a:round/>
+                      <a:headEnd type="none" w="med" len="med"/>
+                      <a:tailEnd type="none" w="med" len="med"/>
+                    </a:lnR>
+                    <a:lnT w="12700" cap="flat" cmpd="sng" algn="ctr">
+                      <a:solidFill>
+                        <a:srgbClr val="000000">
+                          <a:alpha val="100000"/>
+                        </a:srgbClr>
+                      </a:solidFill>
+                      <a:prstDash val="solid"/>
+                      <a:round/>
+                      <a:headEnd type="none" w="med" len="med"/>
+                      <a:tailEnd type="none" w="med" len="med"/>
+                    </a:lnT>
+                    <a:lnB w="12700" cap="flat" cmpd="sng" algn="ctr">
+                      <a:solidFill>
+                        <a:srgbClr val="000000">
+                          <a:alpha val="100000"/>
+                        </a:srgbClr>
+                      </a:solidFill>
+                      <a:prstDash val="solid"/>
+                      <a:round/>
+                      <a:headEnd type="none" w="med" len="med"/>
+                      <a:tailEnd type="none" w="med" len="med"/>
+                    </a:lnB>
+                    <a:lnTlToBr w="12700" cap="flat" cmpd="sng" algn="ctr">
+                      <a:noFill/>
+                      <a:prstDash val="solid"/>
+                      <a:round/>
+                      <a:headEnd type="none" w="med" len="med"/>
+                      <a:tailEnd type="none" w="med" len="med"/>
+                    </a:lnTlToBr>
+                    <a:lnBlToTr w="12700" cap="flat" cmpd="sng" algn="ctr">
+                      <a:noFill/>
+                      <a:prstDash val="solid"/>
+                      <a:round/>
+                      <a:headEnd type="none" w="med" len="med"/>
+                      <a:tailEnd type="none" w="med" len="med"/>
+                    </a:lnBlToTr>
+                    <a:noFill/>
+                  </a:tcPr>
+                </a:tc>
+              </a:tr>
+            </a:tbl>
+          </a:graphicData>
+        </a:graphic>
+      </p:graphicFrame>
+      <p:sp>
+        <p:nvSpPr>
+          <p:cNvPr id="9" name=""/>
+          <p:cNvSpPr txBox="1"/>
+          <p:nvPr/>
+        </p:nvSpPr>
+        <p:spPr>
+          <a:xfrm>
+            <a:off x="95250" y="3762375"/>
+            <a:ext cx="5715000" cy="381000"/>
+          </a:xfrm>
+          <a:prstGeom prst="rect">
+            <a:avLst/>
+          </a:prstGeom>
+          <a:noFill/>
+        </p:spPr>
+        <p:txBody>
+          <a:bodyPr rtlCol="0" bIns="45720" lIns="91440" rIns="91440" tIns="45720">
+            <a:spAutoFit/>
+          </a:bodyPr>
+          <a:lstStyle/>
+          <a:p>
+            <a:pPr algn="l" rtl="0" fontAlgn="base" marL="0" marR="0" indent="0" lvl="0">
+              <a:lnSpc>
+                <a:spcPct val="100000"/>
+              </a:lnSpc>
+              <a:spcBef>
+                <a:spcPts val="0"/>
+              </a:spcBef>
+              <a:spcAft>
+                <a:spcPts val="0"/>
+              </a:spcAft>
+            </a:pPr>
+            <a:r>
+              <a:rPr lang="en-US" b="1" sz="2000" spc="0" u="none">
+                <a:solidFill>
+                  <a:srgbClr val="47008a">
+                    <a:alpha val="100000"/>
+                  </a:srgbClr>
+                </a:solidFill>
+                <a:latin typeface="Calibri"/>
+              </a:rPr>
+              <a:t><![CDATA[1. Valor econômico com DCF]]></a:t>
+            </a:r>
+          </a:p>
+        </p:txBody>
+      </p:sp>
+      <p:sp>
+        <p:nvSpPr>
+          <p:cNvPr id="10" name=""/>
+          <p:cNvSpPr txBox="1"/>
+          <p:nvPr/>
+        </p:nvSpPr>
+        <p:spPr>
+          <a:xfrm>
+            <a:off x="95250" y="4191000"/>
+            <a:ext cx="7620000" cy="1428750"/>
+          </a:xfrm>
+          <a:prstGeom prst="rect">
+            <a:avLst/>
+          </a:prstGeom>
+          <a:noFill/>
+        </p:spPr>
+        <p:txBody>
+          <a:bodyPr rtlCol="0" bIns="45720" lIns="91440" rIns="91440" tIns="45720">
+            <a:spAutoFit/>
+          </a:bodyPr>
+          <a:lstStyle/>
+          <a:p>
+            <a:pPr algn="l" rtl="0" fontAlgn="base" marL="0" marR="0" indent="0" lvl="0">
+              <a:lnSpc>
+                <a:spcPct val="100000"/>
+              </a:lnSpc>
+              <a:spcBef>
+                <a:spcPts val="0"/>
+              </a:spcBef>
+              <a:spcAft>
+                <a:spcPts val="0"/>
+              </a:spcAft>
+            </a:pPr>
+            <a:r>
+              <a:rPr lang="en-US" sz="1400" spc="0" u="none">
+                <a:solidFill>
+                  <a:srgbClr val="000000">
+                    <a:alpha val="100000"/>
+                  </a:srgbClr>
+                </a:solidFill>
+                <a:latin typeface="Calibri"/>
+              </a:rPr>
+              <a:t><![CDATA[No DCF (Discounted Cash Flow, ou Fluxo de Caixa Descontado), o objetivo é identificar o valor de uma empresa considerando seu fluxo de caixa, crescimento e risco. Ou seja, estima o seu potencial econômico em gerar retorno para sócios e credores. Esse critério engloba fatores como plano de negócio, competência da gestão, tradição, marca, carteira de clientes e qualquer decisão que impacte na geração de resultados.]]></a:t>
+            </a:r>
+          </a:p>
+        </p:txBody>
+      </p:sp>
+      <p:sp>
+        <p:nvSpPr>
+          <p:cNvPr id="11" name=""/>
+          <p:cNvSpPr txBox="1"/>
+          <p:nvPr/>
+        </p:nvSpPr>
+        <p:spPr>
+          <a:xfrm>
+            <a:off x="95250" y="5667375"/>
+            <a:ext cx="7620000" cy="714375"/>
+          </a:xfrm>
+          <a:prstGeom prst="rect">
+            <a:avLst/>
+          </a:prstGeom>
+          <a:noFill/>
+        </p:spPr>
+        <p:txBody>
+          <a:bodyPr rtlCol="0" bIns="45720" lIns="91440" rIns="91440" tIns="45720">
+            <a:spAutoFit/>
+          </a:bodyPr>
+          <a:lstStyle/>
+          <a:p>
+            <a:pPr algn="l" rtl="0" fontAlgn="base" marL="0" marR="0" indent="0" lvl="0">
+              <a:lnSpc>
+                <a:spcPct val="100000"/>
+              </a:lnSpc>
+              <a:spcBef>
+                <a:spcPts val="0"/>
+              </a:spcBef>
+              <a:spcAft>
+                <a:spcPts val="0"/>
+              </a:spcAft>
+            </a:pPr>
+            <a:r>
+              <a:rPr lang="en-US" sz="1400" spc="0" u="none">
+                <a:solidFill>
+                  <a:srgbClr val="000000">
+                    <a:alpha val="100000"/>
+                  </a:srgbClr>
+                </a:solidFill>
+                <a:latin typeface="Calibri"/>
+              </a:rPr>
+              <a:t><![CDATA[Conforme Aswath Damodaran, uma boa avaliação é o resultado de dois elementos: o desempenho histórico da empresa e a criação de uma narrativa sólida (através das projeções financeiras).]]></a:t>
+            </a:r>
+          </a:p>
+        </p:txBody>
+      </p:sp>
     </p:spTree>
   </p:cSld>
   <p:clrMapOvr>
@@ -1853,9 +4446,9 @@
 </file>
 
 <file path=ppt/theme/theme1.xml><?xml version="1.0" encoding="utf-8"?>
-<a:theme xmlns:a="http://schemas.openxmlformats.org/drawingml/2006/main" name="Theme79">
+<a:theme xmlns:a="http://schemas.openxmlformats.org/drawingml/2006/main" name="Theme19">
   <a:themeElements>
-    <a:clrScheme name="Theme79">
+    <a:clrScheme name="Theme19">
       <a:dk1>
         <a:sysClr val="windowText" lastClr="000000"/>
       </a:dk1>
@@ -1893,7 +4486,7 @@
         <a:srgbClr val="800080"/>
       </a:folHlink>
     </a:clrScheme>
-    <a:fontScheme name="Theme79">
+    <a:fontScheme name="Theme19">
       <a:majorFont>
         <a:latin typeface="Calibri"/>
         <a:ea typeface=""/>
@@ -1963,7 +4556,7 @@
         <a:font script="Uigh" typeface="Microsoft Uighur"/>
       </a:minorFont>
     </a:fontScheme>
-    <a:fmtScheme name="Theme79">
+    <a:fmtScheme name="Theme19">
       <a:fillStyleLst>
         <a:solidFill>
           <a:schemeClr val="phClr"/>
